--- a/Group2_REVIEW01.pptx
+++ b/Group2_REVIEW01.pptx
@@ -925,7 +925,7 @@
           </a:ln>
           <a:extLst>
             <a:ext uri="{C572A759-6A51-4108-AA02-DFA0A04FC94B}">
-              <ma14:wrappingTextBoxFlag xmlns:ma14="http://schemas.microsoft.com/office/mac/drawingml/2011/main" xmlns:a14="http://schemas.microsoft.com/office/drawing/2010/main" xmlns:m="http://schemas.openxmlformats.org/officeDocument/2006/math" xmlns="" val="1"/>
+              <ma14:wrappingTextBoxFlag xmlns="" xmlns:m="http://schemas.openxmlformats.org/officeDocument/2006/math" xmlns:a14="http://schemas.microsoft.com/office/drawing/2010/main" xmlns:ma14="http://schemas.microsoft.com/office/mac/drawingml/2011/main" val="1"/>
             </a:ext>
           </a:extLst>
         </p:spPr>
@@ -1178,7 +1178,7 @@
           </a:ln>
           <a:extLst>
             <a:ext uri="{C572A759-6A51-4108-AA02-DFA0A04FC94B}">
-              <ma14:wrappingTextBoxFlag xmlns:ma14="http://schemas.microsoft.com/office/mac/drawingml/2011/main" xmlns:a14="http://schemas.microsoft.com/office/drawing/2010/main" xmlns:m="http://schemas.openxmlformats.org/officeDocument/2006/math" xmlns="" val="1"/>
+              <ma14:wrappingTextBoxFlag xmlns="" xmlns:m="http://schemas.openxmlformats.org/officeDocument/2006/math" xmlns:a14="http://schemas.microsoft.com/office/drawing/2010/main" xmlns:ma14="http://schemas.microsoft.com/office/mac/drawingml/2011/main" val="1"/>
             </a:ext>
           </a:extLst>
         </p:spPr>
@@ -1431,7 +1431,7 @@
           </a:ln>
           <a:extLst>
             <a:ext uri="{C572A759-6A51-4108-AA02-DFA0A04FC94B}">
-              <ma14:wrappingTextBoxFlag xmlns:ma14="http://schemas.microsoft.com/office/mac/drawingml/2011/main" xmlns:a14="http://schemas.microsoft.com/office/drawing/2010/main" xmlns:m="http://schemas.openxmlformats.org/officeDocument/2006/math" xmlns="" val="1"/>
+              <ma14:wrappingTextBoxFlag xmlns="" xmlns:m="http://schemas.openxmlformats.org/officeDocument/2006/math" xmlns:a14="http://schemas.microsoft.com/office/drawing/2010/main" xmlns:ma14="http://schemas.microsoft.com/office/mac/drawingml/2011/main" val="1"/>
             </a:ext>
           </a:extLst>
         </p:spPr>
@@ -1684,7 +1684,7 @@
           </a:ln>
           <a:extLst>
             <a:ext uri="{C572A759-6A51-4108-AA02-DFA0A04FC94B}">
-              <ma14:wrappingTextBoxFlag xmlns:ma14="http://schemas.microsoft.com/office/mac/drawingml/2011/main" xmlns:a14="http://schemas.microsoft.com/office/drawing/2010/main" xmlns:m="http://schemas.openxmlformats.org/officeDocument/2006/math" xmlns="" val="1"/>
+              <ma14:wrappingTextBoxFlag xmlns="" xmlns:m="http://schemas.openxmlformats.org/officeDocument/2006/math" xmlns:a14="http://schemas.microsoft.com/office/drawing/2010/main" xmlns:ma14="http://schemas.microsoft.com/office/mac/drawingml/2011/main" val="1"/>
             </a:ext>
           </a:extLst>
         </p:spPr>
@@ -1937,7 +1937,7 @@
           </a:ln>
           <a:extLst>
             <a:ext uri="{C572A759-6A51-4108-AA02-DFA0A04FC94B}">
-              <ma14:wrappingTextBoxFlag xmlns:ma14="http://schemas.microsoft.com/office/mac/drawingml/2011/main" xmlns:a14="http://schemas.microsoft.com/office/drawing/2010/main" xmlns:m="http://schemas.openxmlformats.org/officeDocument/2006/math" xmlns="" val="1"/>
+              <ma14:wrappingTextBoxFlag xmlns="" xmlns:m="http://schemas.openxmlformats.org/officeDocument/2006/math" xmlns:a14="http://schemas.microsoft.com/office/drawing/2010/main" xmlns:ma14="http://schemas.microsoft.com/office/mac/drawingml/2011/main" val="1"/>
             </a:ext>
           </a:extLst>
         </p:spPr>
@@ -2190,7 +2190,7 @@
           </a:ln>
           <a:extLst>
             <a:ext uri="{C572A759-6A51-4108-AA02-DFA0A04FC94B}">
-              <ma14:wrappingTextBoxFlag xmlns:ma14="http://schemas.microsoft.com/office/mac/drawingml/2011/main" xmlns:a14="http://schemas.microsoft.com/office/drawing/2010/main" xmlns:m="http://schemas.openxmlformats.org/officeDocument/2006/math" xmlns="" val="1"/>
+              <ma14:wrappingTextBoxFlag xmlns="" xmlns:m="http://schemas.openxmlformats.org/officeDocument/2006/math" xmlns:a14="http://schemas.microsoft.com/office/drawing/2010/main" xmlns:ma14="http://schemas.microsoft.com/office/mac/drawingml/2011/main" val="1"/>
             </a:ext>
           </a:extLst>
         </p:spPr>
@@ -2443,7 +2443,7 @@
           </a:ln>
           <a:extLst>
             <a:ext uri="{C572A759-6A51-4108-AA02-DFA0A04FC94B}">
-              <ma14:wrappingTextBoxFlag xmlns:ma14="http://schemas.microsoft.com/office/mac/drawingml/2011/main" xmlns:a14="http://schemas.microsoft.com/office/drawing/2010/main" xmlns:m="http://schemas.openxmlformats.org/officeDocument/2006/math" xmlns="" val="1"/>
+              <ma14:wrappingTextBoxFlag xmlns="" xmlns:m="http://schemas.openxmlformats.org/officeDocument/2006/math" xmlns:a14="http://schemas.microsoft.com/office/drawing/2010/main" xmlns:ma14="http://schemas.microsoft.com/office/mac/drawingml/2011/main" val="1"/>
             </a:ext>
           </a:extLst>
         </p:spPr>
@@ -2864,7 +2864,7 @@
           </a:ln>
           <a:extLst>
             <a:ext uri="{C572A759-6A51-4108-AA02-DFA0A04FC94B}">
-              <ma14:wrappingTextBoxFlag xmlns:ma14="http://schemas.microsoft.com/office/mac/drawingml/2011/main" xmlns:a14="http://schemas.microsoft.com/office/drawing/2010/main" xmlns:m="http://schemas.openxmlformats.org/officeDocument/2006/math" xmlns="" val="1"/>
+              <ma14:wrappingTextBoxFlag xmlns="" xmlns:m="http://schemas.openxmlformats.org/officeDocument/2006/math" xmlns:a14="http://schemas.microsoft.com/office/drawing/2010/main" xmlns:ma14="http://schemas.microsoft.com/office/mac/drawingml/2011/main" val="1"/>
             </a:ext>
           </a:extLst>
         </p:spPr>
@@ -5290,7 +5290,7 @@
           </a:ln>
           <a:extLst>
             <a:ext uri="{C572A759-6A51-4108-AA02-DFA0A04FC94B}">
-              <ma14:wrappingTextBoxFlag xmlns:ma14="http://schemas.microsoft.com/office/mac/drawingml/2011/main" xmlns:a14="http://schemas.microsoft.com/office/drawing/2010/main" xmlns:m="http://schemas.openxmlformats.org/officeDocument/2006/math" xmlns="" val="1"/>
+              <ma14:wrappingTextBoxFlag xmlns="" xmlns:m="http://schemas.openxmlformats.org/officeDocument/2006/math" xmlns:a14="http://schemas.microsoft.com/office/drawing/2010/main" xmlns:ma14="http://schemas.microsoft.com/office/mac/drawingml/2011/main" val="1"/>
             </a:ext>
           </a:extLst>
         </p:spPr>
@@ -5409,7 +5409,7 @@
           </a:ln>
           <a:extLst>
             <a:ext uri="{C572A759-6A51-4108-AA02-DFA0A04FC94B}">
-              <ma14:wrappingTextBoxFlag xmlns:ma14="http://schemas.microsoft.com/office/mac/drawingml/2011/main" xmlns:a14="http://schemas.microsoft.com/office/drawing/2010/main" xmlns:m="http://schemas.openxmlformats.org/officeDocument/2006/math" xmlns="" val="1"/>
+              <ma14:wrappingTextBoxFlag xmlns="" xmlns:m="http://schemas.openxmlformats.org/officeDocument/2006/math" xmlns:a14="http://schemas.microsoft.com/office/drawing/2010/main" xmlns:ma14="http://schemas.microsoft.com/office/mac/drawingml/2011/main" val="1"/>
             </a:ext>
           </a:extLst>
         </p:spPr>
@@ -5449,7 +5449,7 @@
           </a:ln>
           <a:extLst>
             <a:ext uri="{C572A759-6A51-4108-AA02-DFA0A04FC94B}">
-              <ma14:wrappingTextBoxFlag xmlns:ma14="http://schemas.microsoft.com/office/mac/drawingml/2011/main" xmlns:a14="http://schemas.microsoft.com/office/drawing/2010/main" xmlns:m="http://schemas.openxmlformats.org/officeDocument/2006/math" xmlns="" val="1"/>
+              <ma14:wrappingTextBoxFlag xmlns="" xmlns:m="http://schemas.openxmlformats.org/officeDocument/2006/math" xmlns:a14="http://schemas.microsoft.com/office/drawing/2010/main" xmlns:ma14="http://schemas.microsoft.com/office/mac/drawingml/2011/main" val="1"/>
             </a:ext>
           </a:extLst>
         </p:spPr>
@@ -6907,7 +6907,7 @@
             </a:pPr>
             <a:r>
               <a:rPr lang="en-US" sz="1600"/>
-              <a:t>19CSE 202 DBMS</a:t>
+              <a:t>19CSE202 DBMS</a:t>
             </a:r>
             <a:br>
               <a:rPr lang="en-US" sz="1600"/>

--- a/Group2_REVIEW01.pptx
+++ b/Group2_REVIEW01.pptx
@@ -12,20 +12,19 @@
     <p:sldId id="261" r:id="rId6"/>
     <p:sldId id="266" r:id="rId7"/>
     <p:sldId id="265" r:id="rId8"/>
-    <p:sldId id="267" r:id="rId9"/>
-    <p:sldId id="268" r:id="rId10"/>
-    <p:sldId id="269" r:id="rId11"/>
-    <p:sldId id="270" r:id="rId12"/>
-    <p:sldId id="271" r:id="rId13"/>
-    <p:sldId id="272" r:id="rId14"/>
-    <p:sldId id="273" r:id="rId15"/>
-    <p:sldId id="274" r:id="rId16"/>
-    <p:sldId id="275" r:id="rId17"/>
-    <p:sldId id="276" r:id="rId18"/>
-    <p:sldId id="277" r:id="rId19"/>
-    <p:sldId id="282" r:id="rId20"/>
-    <p:sldId id="281" r:id="rId21"/>
-    <p:sldId id="278" r:id="rId22"/>
+    <p:sldId id="268" r:id="rId9"/>
+    <p:sldId id="269" r:id="rId10"/>
+    <p:sldId id="270" r:id="rId11"/>
+    <p:sldId id="271" r:id="rId12"/>
+    <p:sldId id="272" r:id="rId13"/>
+    <p:sldId id="273" r:id="rId14"/>
+    <p:sldId id="274" r:id="rId15"/>
+    <p:sldId id="275" r:id="rId16"/>
+    <p:sldId id="276" r:id="rId17"/>
+    <p:sldId id="277" r:id="rId18"/>
+    <p:sldId id="284" r:id="rId19"/>
+    <p:sldId id="281" r:id="rId20"/>
+    <p:sldId id="278" r:id="rId21"/>
   </p:sldIdLst>
   <p:sldSz cx="12192000" cy="6858000"/>
   <p:notesSz cx="6858000" cy="9144000"/>
@@ -925,7 +924,7 @@
           </a:ln>
           <a:extLst>
             <a:ext uri="{C572A759-6A51-4108-AA02-DFA0A04FC94B}">
-              <ma14:wrappingTextBoxFlag xmlns="" xmlns:m="http://schemas.openxmlformats.org/officeDocument/2006/math" xmlns:a14="http://schemas.microsoft.com/office/drawing/2010/main" xmlns:ma14="http://schemas.microsoft.com/office/mac/drawingml/2011/main" val="1"/>
+              <ma14:wrappingTextBoxFlag xmlns:ma14="http://schemas.microsoft.com/office/mac/drawingml/2011/main" xmlns:a14="http://schemas.microsoft.com/office/drawing/2010/main" xmlns:m="http://schemas.openxmlformats.org/officeDocument/2006/math" xmlns="" val="1"/>
             </a:ext>
           </a:extLst>
         </p:spPr>
@@ -1178,7 +1177,7 @@
           </a:ln>
           <a:extLst>
             <a:ext uri="{C572A759-6A51-4108-AA02-DFA0A04FC94B}">
-              <ma14:wrappingTextBoxFlag xmlns="" xmlns:m="http://schemas.openxmlformats.org/officeDocument/2006/math" xmlns:a14="http://schemas.microsoft.com/office/drawing/2010/main" xmlns:ma14="http://schemas.microsoft.com/office/mac/drawingml/2011/main" val="1"/>
+              <ma14:wrappingTextBoxFlag xmlns:ma14="http://schemas.microsoft.com/office/mac/drawingml/2011/main" xmlns:a14="http://schemas.microsoft.com/office/drawing/2010/main" xmlns:m="http://schemas.openxmlformats.org/officeDocument/2006/math" xmlns="" val="1"/>
             </a:ext>
           </a:extLst>
         </p:spPr>
@@ -1431,7 +1430,7 @@
           </a:ln>
           <a:extLst>
             <a:ext uri="{C572A759-6A51-4108-AA02-DFA0A04FC94B}">
-              <ma14:wrappingTextBoxFlag xmlns="" xmlns:m="http://schemas.openxmlformats.org/officeDocument/2006/math" xmlns:a14="http://schemas.microsoft.com/office/drawing/2010/main" xmlns:ma14="http://schemas.microsoft.com/office/mac/drawingml/2011/main" val="1"/>
+              <ma14:wrappingTextBoxFlag xmlns:ma14="http://schemas.microsoft.com/office/mac/drawingml/2011/main" xmlns:a14="http://schemas.microsoft.com/office/drawing/2010/main" xmlns:m="http://schemas.openxmlformats.org/officeDocument/2006/math" xmlns="" val="1"/>
             </a:ext>
           </a:extLst>
         </p:spPr>
@@ -1684,7 +1683,7 @@
           </a:ln>
           <a:extLst>
             <a:ext uri="{C572A759-6A51-4108-AA02-DFA0A04FC94B}">
-              <ma14:wrappingTextBoxFlag xmlns="" xmlns:m="http://schemas.openxmlformats.org/officeDocument/2006/math" xmlns:a14="http://schemas.microsoft.com/office/drawing/2010/main" xmlns:ma14="http://schemas.microsoft.com/office/mac/drawingml/2011/main" val="1"/>
+              <ma14:wrappingTextBoxFlag xmlns:ma14="http://schemas.microsoft.com/office/mac/drawingml/2011/main" xmlns:a14="http://schemas.microsoft.com/office/drawing/2010/main" xmlns:m="http://schemas.openxmlformats.org/officeDocument/2006/math" xmlns="" val="1"/>
             </a:ext>
           </a:extLst>
         </p:spPr>
@@ -1937,7 +1936,7 @@
           </a:ln>
           <a:extLst>
             <a:ext uri="{C572A759-6A51-4108-AA02-DFA0A04FC94B}">
-              <ma14:wrappingTextBoxFlag xmlns="" xmlns:m="http://schemas.openxmlformats.org/officeDocument/2006/math" xmlns:a14="http://schemas.microsoft.com/office/drawing/2010/main" xmlns:ma14="http://schemas.microsoft.com/office/mac/drawingml/2011/main" val="1"/>
+              <ma14:wrappingTextBoxFlag xmlns:ma14="http://schemas.microsoft.com/office/mac/drawingml/2011/main" xmlns:a14="http://schemas.microsoft.com/office/drawing/2010/main" xmlns:m="http://schemas.openxmlformats.org/officeDocument/2006/math" xmlns="" val="1"/>
             </a:ext>
           </a:extLst>
         </p:spPr>
@@ -2190,7 +2189,7 @@
           </a:ln>
           <a:extLst>
             <a:ext uri="{C572A759-6A51-4108-AA02-DFA0A04FC94B}">
-              <ma14:wrappingTextBoxFlag xmlns="" xmlns:m="http://schemas.openxmlformats.org/officeDocument/2006/math" xmlns:a14="http://schemas.microsoft.com/office/drawing/2010/main" xmlns:ma14="http://schemas.microsoft.com/office/mac/drawingml/2011/main" val="1"/>
+              <ma14:wrappingTextBoxFlag xmlns:ma14="http://schemas.microsoft.com/office/mac/drawingml/2011/main" xmlns:a14="http://schemas.microsoft.com/office/drawing/2010/main" xmlns:m="http://schemas.openxmlformats.org/officeDocument/2006/math" xmlns="" val="1"/>
             </a:ext>
           </a:extLst>
         </p:spPr>
@@ -2443,7 +2442,7 @@
           </a:ln>
           <a:extLst>
             <a:ext uri="{C572A759-6A51-4108-AA02-DFA0A04FC94B}">
-              <ma14:wrappingTextBoxFlag xmlns="" xmlns:m="http://schemas.openxmlformats.org/officeDocument/2006/math" xmlns:a14="http://schemas.microsoft.com/office/drawing/2010/main" xmlns:ma14="http://schemas.microsoft.com/office/mac/drawingml/2011/main" val="1"/>
+              <ma14:wrappingTextBoxFlag xmlns:ma14="http://schemas.microsoft.com/office/mac/drawingml/2011/main" xmlns:a14="http://schemas.microsoft.com/office/drawing/2010/main" xmlns:m="http://schemas.openxmlformats.org/officeDocument/2006/math" xmlns="" val="1"/>
             </a:ext>
           </a:extLst>
         </p:spPr>
@@ -2864,7 +2863,7 @@
           </a:ln>
           <a:extLst>
             <a:ext uri="{C572A759-6A51-4108-AA02-DFA0A04FC94B}">
-              <ma14:wrappingTextBoxFlag xmlns="" xmlns:m="http://schemas.openxmlformats.org/officeDocument/2006/math" xmlns:a14="http://schemas.microsoft.com/office/drawing/2010/main" xmlns:ma14="http://schemas.microsoft.com/office/mac/drawingml/2011/main" val="1"/>
+              <ma14:wrappingTextBoxFlag xmlns:ma14="http://schemas.microsoft.com/office/mac/drawingml/2011/main" xmlns:a14="http://schemas.microsoft.com/office/drawing/2010/main" xmlns:m="http://schemas.openxmlformats.org/officeDocument/2006/math" xmlns="" val="1"/>
             </a:ext>
           </a:extLst>
         </p:spPr>
@@ -5290,7 +5289,7 @@
           </a:ln>
           <a:extLst>
             <a:ext uri="{C572A759-6A51-4108-AA02-DFA0A04FC94B}">
-              <ma14:wrappingTextBoxFlag xmlns="" xmlns:m="http://schemas.openxmlformats.org/officeDocument/2006/math" xmlns:a14="http://schemas.microsoft.com/office/drawing/2010/main" xmlns:ma14="http://schemas.microsoft.com/office/mac/drawingml/2011/main" val="1"/>
+              <ma14:wrappingTextBoxFlag xmlns:ma14="http://schemas.microsoft.com/office/mac/drawingml/2011/main" xmlns:a14="http://schemas.microsoft.com/office/drawing/2010/main" xmlns:m="http://schemas.openxmlformats.org/officeDocument/2006/math" xmlns="" val="1"/>
             </a:ext>
           </a:extLst>
         </p:spPr>
@@ -5409,7 +5408,7 @@
           </a:ln>
           <a:extLst>
             <a:ext uri="{C572A759-6A51-4108-AA02-DFA0A04FC94B}">
-              <ma14:wrappingTextBoxFlag xmlns="" xmlns:m="http://schemas.openxmlformats.org/officeDocument/2006/math" xmlns:a14="http://schemas.microsoft.com/office/drawing/2010/main" xmlns:ma14="http://schemas.microsoft.com/office/mac/drawingml/2011/main" val="1"/>
+              <ma14:wrappingTextBoxFlag xmlns:ma14="http://schemas.microsoft.com/office/mac/drawingml/2011/main" xmlns:a14="http://schemas.microsoft.com/office/drawing/2010/main" xmlns:m="http://schemas.openxmlformats.org/officeDocument/2006/math" xmlns="" val="1"/>
             </a:ext>
           </a:extLst>
         </p:spPr>
@@ -5449,7 +5448,7 @@
           </a:ln>
           <a:extLst>
             <a:ext uri="{C572A759-6A51-4108-AA02-DFA0A04FC94B}">
-              <ma14:wrappingTextBoxFlag xmlns="" xmlns:m="http://schemas.openxmlformats.org/officeDocument/2006/math" xmlns:a14="http://schemas.microsoft.com/office/drawing/2010/main" xmlns:ma14="http://schemas.microsoft.com/office/mac/drawingml/2011/main" val="1"/>
+              <ma14:wrappingTextBoxFlag xmlns:ma14="http://schemas.microsoft.com/office/mac/drawingml/2011/main" xmlns:a14="http://schemas.microsoft.com/office/drawing/2010/main" xmlns:m="http://schemas.openxmlformats.org/officeDocument/2006/math" xmlns="" val="1"/>
             </a:ext>
           </a:extLst>
         </p:spPr>
@@ -7131,503 +7130,6 @@
           <p:cNvPr id="3" name="Content Placeholder 2">
             <a:extLst>
               <a:ext uri="{FF2B5EF4-FFF2-40B4-BE49-F238E27FC236}">
-                <a16:creationId xmlns:a16="http://schemas.microsoft.com/office/drawing/2014/main" id="{306268B6-7808-4A42-BDA9-0A189EF4E405}"/>
-              </a:ext>
-            </a:extLst>
-          </p:cNvPr>
-          <p:cNvSpPr>
-            <a:spLocks noGrp="1"/>
-          </p:cNvSpPr>
-          <p:nvPr>
-            <p:ph idx="1"/>
-          </p:nvPr>
-        </p:nvSpPr>
-        <p:spPr>
-          <a:xfrm>
-            <a:off x="838200" y="331704"/>
-            <a:ext cx="10515600" cy="5845259"/>
-          </a:xfrm>
-        </p:spPr>
-        <p:txBody>
-          <a:bodyPr vert="horz" lIns="91440" tIns="45720" rIns="91440" bIns="45720" rtlCol="0" anchor="t">
-            <a:normAutofit fontScale="77500" lnSpcReduction="20000"/>
-          </a:bodyPr>
-          <a:lstStyle/>
-          <a:p>
-            <a:pPr marL="0" indent="0">
-              <a:buNone/>
-            </a:pPr>
-            <a:r>
-              <a:rPr lang="en-US" sz="3600" b="1" dirty="0">
-                <a:solidFill>
-                  <a:srgbClr val="002060"/>
-                </a:solidFill>
-                <a:latin typeface="Times New Roman"/>
-                <a:ea typeface="+mn-lt"/>
-                <a:cs typeface="+mn-lt"/>
-              </a:rPr>
-              <a:t>2.  CUSTOMER :</a:t>
-            </a:r>
-          </a:p>
-          <a:p>
-            <a:pPr marL="0" indent="0">
-              <a:buNone/>
-            </a:pPr>
-            <a:endParaRPr lang="en-US" sz="3000" b="1" dirty="0">
-              <a:solidFill>
-                <a:schemeClr val="accent6">
-                  <a:lumMod val="50000"/>
-                </a:schemeClr>
-              </a:solidFill>
-              <a:latin typeface="Times New Roman"/>
-              <a:ea typeface="+mn-lt"/>
-              <a:cs typeface="Calibri"/>
-            </a:endParaRPr>
-          </a:p>
-          <a:p>
-            <a:pPr>
-              <a:buFont typeface="Wingdings" panose="020B0604020202020204" pitchFamily="34" charset="0"/>
-              <a:buChar char="ü"/>
-            </a:pPr>
-            <a:r>
-              <a:rPr lang="en-US" sz="3000" b="1" i="1" dirty="0">
-                <a:latin typeface="Times New Roman"/>
-                <a:ea typeface="+mn-lt"/>
-                <a:cs typeface="Times New Roman"/>
-              </a:rPr>
-              <a:t> Attributes :-</a:t>
-            </a:r>
-            <a:endParaRPr lang="en-US" dirty="0">
-              <a:cs typeface="Calibri" panose="020F0502020204030204"/>
-            </a:endParaRPr>
-          </a:p>
-          <a:p>
-            <a:pPr marL="457200" indent="-457200">
-              <a:lnSpc>
-                <a:spcPct val="110000"/>
-              </a:lnSpc>
-            </a:pPr>
-            <a:r>
-              <a:rPr lang="en-US" sz="2600" dirty="0" err="1">
-                <a:latin typeface="Times New Roman"/>
-                <a:ea typeface="+mn-lt"/>
-                <a:cs typeface="+mn-lt"/>
-              </a:rPr>
-              <a:t>Customer_id</a:t>
-            </a:r>
-            <a:r>
-              <a:rPr lang="en-US" sz="2600" dirty="0">
-                <a:latin typeface="Times New Roman"/>
-                <a:ea typeface="+mn-lt"/>
-                <a:cs typeface="+mn-lt"/>
-              </a:rPr>
-              <a:t> – customer’s verification id with four characters (Ex : AD90).</a:t>
-            </a:r>
-          </a:p>
-          <a:p>
-            <a:pPr marL="457200" indent="-457200">
-              <a:lnSpc>
-                <a:spcPct val="110000"/>
-              </a:lnSpc>
-            </a:pPr>
-            <a:r>
-              <a:rPr lang="en-US" sz="2600" dirty="0" err="1">
-                <a:latin typeface="Times New Roman"/>
-                <a:ea typeface="+mn-lt"/>
-                <a:cs typeface="+mn-lt"/>
-              </a:rPr>
-              <a:t>AccountID</a:t>
-            </a:r>
-            <a:r>
-              <a:rPr lang="en-US" sz="2600" dirty="0">
-                <a:latin typeface="Times New Roman"/>
-                <a:ea typeface="+mn-lt"/>
-                <a:cs typeface="+mn-lt"/>
-              </a:rPr>
-              <a:t>– gets the account number which is a 12 digit code.(Ex : 5687 7890 4567).</a:t>
-            </a:r>
-          </a:p>
-          <a:p>
-            <a:pPr marL="457200" indent="-457200">
-              <a:lnSpc>
-                <a:spcPct val="110000"/>
-              </a:lnSpc>
-            </a:pPr>
-            <a:r>
-              <a:rPr lang="en-US" sz="2600" dirty="0" err="1">
-                <a:latin typeface="Times New Roman"/>
-                <a:ea typeface="+mn-lt"/>
-                <a:cs typeface="+mn-lt"/>
-              </a:rPr>
-              <a:t>Customer_firstName</a:t>
-            </a:r>
-            <a:r>
-              <a:rPr lang="en-US" sz="2600" dirty="0">
-                <a:latin typeface="Times New Roman"/>
-                <a:ea typeface="+mn-lt"/>
-                <a:cs typeface="+mn-lt"/>
-              </a:rPr>
-              <a:t>, </a:t>
-            </a:r>
-            <a:r>
-              <a:rPr lang="en-US" sz="2600" dirty="0" err="1">
-                <a:latin typeface="Times New Roman"/>
-                <a:ea typeface="+mn-lt"/>
-                <a:cs typeface="+mn-lt"/>
-              </a:rPr>
-              <a:t>Customer_LastName</a:t>
-            </a:r>
-            <a:r>
-              <a:rPr lang="en-US" sz="2600" dirty="0">
-                <a:latin typeface="Times New Roman"/>
-                <a:ea typeface="+mn-lt"/>
-                <a:cs typeface="+mn-lt"/>
-              </a:rPr>
-              <a:t> – stores the customer’s name.</a:t>
-            </a:r>
-            <a:endParaRPr lang="en-US" sz="2600">
-              <a:latin typeface="Times New Roman"/>
-              <a:ea typeface="+mn-lt"/>
-              <a:cs typeface="+mn-lt"/>
-            </a:endParaRPr>
-          </a:p>
-          <a:p>
-            <a:pPr marL="457200" indent="-457200">
-              <a:lnSpc>
-                <a:spcPct val="110000"/>
-              </a:lnSpc>
-            </a:pPr>
-            <a:r>
-              <a:rPr lang="en-US" sz="2600" dirty="0" err="1">
-                <a:latin typeface="Times New Roman"/>
-                <a:ea typeface="+mn-lt"/>
-                <a:cs typeface="+mn-lt"/>
-              </a:rPr>
-              <a:t>Custome_Gender</a:t>
-            </a:r>
-            <a:r>
-              <a:rPr lang="en-US" sz="2600" dirty="0">
-                <a:latin typeface="Times New Roman"/>
-                <a:ea typeface="+mn-lt"/>
-                <a:cs typeface="+mn-lt"/>
-              </a:rPr>
-              <a:t> – gets gender of the customer (Male/Female).</a:t>
-            </a:r>
-          </a:p>
-          <a:p>
-            <a:pPr marL="457200" indent="-457200">
-              <a:lnSpc>
-                <a:spcPct val="110000"/>
-              </a:lnSpc>
-            </a:pPr>
-            <a:r>
-              <a:rPr lang="en-US" sz="2600" dirty="0">
-                <a:latin typeface="Times New Roman"/>
-                <a:ea typeface="+mn-lt"/>
-                <a:cs typeface="+mn-lt"/>
-              </a:rPr>
-              <a:t>DOB – date of birth data of the customer.</a:t>
-            </a:r>
-          </a:p>
-          <a:p>
-            <a:pPr marL="457200" indent="-457200">
-              <a:lnSpc>
-                <a:spcPct val="110000"/>
-              </a:lnSpc>
-            </a:pPr>
-            <a:r>
-              <a:rPr lang="en-US" sz="2600" dirty="0" err="1">
-                <a:latin typeface="Times New Roman"/>
-                <a:ea typeface="+mn-lt"/>
-                <a:cs typeface="+mn-lt"/>
-              </a:rPr>
-              <a:t>Customer_address</a:t>
-            </a:r>
-            <a:r>
-              <a:rPr lang="en-US" sz="2600" dirty="0">
-                <a:latin typeface="Times New Roman"/>
-                <a:ea typeface="+mn-lt"/>
-                <a:cs typeface="+mn-lt"/>
-              </a:rPr>
-              <a:t> ,</a:t>
-            </a:r>
-            <a:r>
-              <a:rPr lang="en-US" sz="2600" dirty="0" err="1">
-                <a:latin typeface="Times New Roman"/>
-                <a:ea typeface="+mn-lt"/>
-                <a:cs typeface="+mn-lt"/>
-              </a:rPr>
-              <a:t>State,City</a:t>
-            </a:r>
-            <a:r>
-              <a:rPr lang="en-US" sz="2600" dirty="0">
-                <a:latin typeface="Times New Roman"/>
-                <a:ea typeface="+mn-lt"/>
-                <a:cs typeface="+mn-lt"/>
-              </a:rPr>
-              <a:t>, </a:t>
-            </a:r>
-            <a:r>
-              <a:rPr lang="en-US" sz="2600" dirty="0" err="1">
-                <a:latin typeface="Times New Roman"/>
-                <a:ea typeface="+mn-lt"/>
-                <a:cs typeface="+mn-lt"/>
-              </a:rPr>
-              <a:t>zipcode</a:t>
-            </a:r>
-            <a:r>
-              <a:rPr lang="en-US" sz="2600" dirty="0">
-                <a:latin typeface="Times New Roman"/>
-                <a:ea typeface="+mn-lt"/>
-                <a:cs typeface="+mn-lt"/>
-              </a:rPr>
-              <a:t>– customer’s address as mentioned in the passbook.</a:t>
-            </a:r>
-          </a:p>
-          <a:p>
-            <a:pPr marL="457200" indent="-457200">
-              <a:lnSpc>
-                <a:spcPct val="110000"/>
-              </a:lnSpc>
-            </a:pPr>
-            <a:r>
-              <a:rPr lang="en-US" sz="2600" dirty="0" err="1">
-                <a:latin typeface="Times New Roman"/>
-                <a:ea typeface="+mn-lt"/>
-                <a:cs typeface="+mn-lt"/>
-              </a:rPr>
-              <a:t>Email_id</a:t>
-            </a:r>
-            <a:r>
-              <a:rPr lang="en-US" sz="2600" dirty="0">
-                <a:latin typeface="Times New Roman"/>
-                <a:ea typeface="+mn-lt"/>
-                <a:cs typeface="+mn-lt"/>
-              </a:rPr>
-              <a:t>– email address of the customer .</a:t>
-            </a:r>
-          </a:p>
-          <a:p>
-            <a:pPr marL="457200" indent="-457200">
-              <a:lnSpc>
-                <a:spcPct val="110000"/>
-              </a:lnSpc>
-            </a:pPr>
-            <a:r>
-              <a:rPr lang="en-US" sz="2600" dirty="0">
-                <a:latin typeface="Times New Roman"/>
-                <a:ea typeface="+mn-lt"/>
-                <a:cs typeface="+mn-lt"/>
-              </a:rPr>
-              <a:t>Mobile_no1, Mobile-no2– Current using mobile number of the customer.</a:t>
-            </a:r>
-          </a:p>
-          <a:p>
-            <a:pPr marL="457200" indent="-457200">
-              <a:lnSpc>
-                <a:spcPct val="110000"/>
-              </a:lnSpc>
-            </a:pPr>
-            <a:r>
-              <a:rPr lang="en-US" sz="2600" dirty="0" err="1">
-                <a:latin typeface="Times New Roman"/>
-                <a:ea typeface="+mn-lt"/>
-                <a:cs typeface="+mn-lt"/>
-              </a:rPr>
-              <a:t>UserLoginID</a:t>
-            </a:r>
-            <a:r>
-              <a:rPr lang="en-US" sz="2600" dirty="0">
-                <a:latin typeface="Times New Roman"/>
-                <a:ea typeface="+mn-lt"/>
-                <a:cs typeface="+mn-lt"/>
-              </a:rPr>
-              <a:t>- given to the customer once he registers into online.</a:t>
-            </a:r>
-          </a:p>
-          <a:p>
-            <a:pPr>
-              <a:buFont typeface="Wingdings" panose="020B0604020202020204" pitchFamily="34" charset="0"/>
-              <a:buChar char="ü"/>
-            </a:pPr>
-            <a:r>
-              <a:rPr lang="en-US" sz="2600" b="1" i="1" dirty="0">
-                <a:latin typeface="Times New Roman"/>
-                <a:ea typeface="+mn-lt"/>
-                <a:cs typeface="+mn-lt"/>
-              </a:rPr>
-              <a:t>Primary Key –</a:t>
-            </a:r>
-            <a:r>
-              <a:rPr lang="en-US" dirty="0">
-                <a:ea typeface="+mn-lt"/>
-                <a:cs typeface="+mn-lt"/>
-              </a:rPr>
-              <a:t>  </a:t>
-            </a:r>
-            <a:r>
-              <a:rPr lang="en-US" sz="2600" dirty="0" err="1">
-                <a:latin typeface="Times New Roman"/>
-                <a:ea typeface="+mn-lt"/>
-                <a:cs typeface="+mn-lt"/>
-              </a:rPr>
-              <a:t>AccountID</a:t>
-            </a:r>
-            <a:r>
-              <a:rPr lang="en-US" sz="2600" dirty="0">
-                <a:latin typeface="Times New Roman"/>
-                <a:ea typeface="+mn-lt"/>
-                <a:cs typeface="+mn-lt"/>
-              </a:rPr>
-              <a:t>, </a:t>
-            </a:r>
-            <a:r>
-              <a:rPr lang="en-US" sz="2600" dirty="0" err="1">
-                <a:latin typeface="Times New Roman"/>
-                <a:ea typeface="+mn-lt"/>
-                <a:cs typeface="+mn-lt"/>
-              </a:rPr>
-              <a:t>Customer_id</a:t>
-            </a:r>
-            <a:r>
-              <a:rPr lang="en-US" sz="2600" dirty="0">
-                <a:latin typeface="Times New Roman"/>
-                <a:ea typeface="+mn-lt"/>
-                <a:cs typeface="+mn-lt"/>
-              </a:rPr>
-              <a:t>, </a:t>
-            </a:r>
-            <a:r>
-              <a:rPr lang="en-US" sz="2600" dirty="0" err="1">
-                <a:latin typeface="Times New Roman"/>
-                <a:ea typeface="+mn-lt"/>
-                <a:cs typeface="+mn-lt"/>
-              </a:rPr>
-              <a:t>UserLoginID</a:t>
-            </a:r>
-            <a:endParaRPr lang="en-US" dirty="0" err="1">
-              <a:cs typeface="Calibri" panose="020F0502020204030204"/>
-            </a:endParaRPr>
-          </a:p>
-          <a:p>
-            <a:pPr>
-              <a:buFont typeface="Wingdings" panose="020B0604020202020204" pitchFamily="34" charset="0"/>
-              <a:buChar char="ü"/>
-            </a:pPr>
-            <a:r>
-              <a:rPr lang="en-US" sz="2600" b="1" i="1" dirty="0">
-                <a:latin typeface="Times New Roman"/>
-                <a:ea typeface="+mn-lt"/>
-                <a:cs typeface="+mn-lt"/>
-              </a:rPr>
-              <a:t>Foreign Key – </a:t>
-            </a:r>
-            <a:r>
-              <a:rPr lang="en-US" sz="2600" dirty="0" err="1">
-                <a:latin typeface="Times New Roman"/>
-                <a:ea typeface="+mn-lt"/>
-                <a:cs typeface="+mn-lt"/>
-              </a:rPr>
-              <a:t>AccountID</a:t>
-            </a:r>
-            <a:endParaRPr lang="en-US" sz="2600" dirty="0">
-              <a:latin typeface="Times New Roman"/>
-              <a:ea typeface="+mn-lt"/>
-              <a:cs typeface="+mn-lt"/>
-            </a:endParaRPr>
-          </a:p>
-          <a:p>
-            <a:pPr>
-              <a:buFont typeface="Wingdings" panose="020B0604020202020204" pitchFamily="34" charset="0"/>
-              <a:buChar char="Ø"/>
-            </a:pPr>
-            <a:r>
-              <a:rPr lang="en-US" sz="2600" dirty="0">
-                <a:latin typeface="Times New Roman"/>
-                <a:ea typeface="+mn-lt"/>
-                <a:cs typeface="+mn-lt"/>
-              </a:rPr>
-              <a:t>This entity set CUSTOMER stores the information of the customer.</a:t>
-            </a:r>
-          </a:p>
-          <a:p>
-            <a:pPr>
-              <a:buFont typeface="Courier New" panose="020B0604020202020204" pitchFamily="34" charset="0"/>
-              <a:buChar char="o"/>
-            </a:pPr>
-            <a:endParaRPr lang="en-US" dirty="0">
-              <a:cs typeface="Calibri" panose="020F0502020204030204"/>
-            </a:endParaRPr>
-          </a:p>
-          <a:p>
-            <a:pPr marL="0" indent="0">
-              <a:buNone/>
-            </a:pPr>
-            <a:endParaRPr lang="en-US" dirty="0">
-              <a:cs typeface="Calibri" panose="020F0502020204030204"/>
-            </a:endParaRPr>
-          </a:p>
-          <a:p>
-            <a:pPr marL="0" indent="0">
-              <a:buNone/>
-            </a:pPr>
-            <a:endParaRPr lang="en-US" dirty="0">
-              <a:cs typeface="Calibri" panose="020F0502020204030204"/>
-            </a:endParaRPr>
-          </a:p>
-          <a:p>
-            <a:pPr marL="0" indent="0">
-              <a:buNone/>
-            </a:pPr>
-            <a:endParaRPr lang="en-US" b="1" dirty="0">
-              <a:cs typeface="Calibri"/>
-            </a:endParaRPr>
-          </a:p>
-          <a:p>
-            <a:pPr marL="0" indent="0">
-              <a:buNone/>
-            </a:pPr>
-            <a:endParaRPr lang="en-US" dirty="0">
-              <a:cs typeface="Calibri"/>
-            </a:endParaRPr>
-          </a:p>
-        </p:txBody>
-      </p:sp>
-    </p:spTree>
-    <p:extLst>
-      <p:ext uri="{BB962C8B-B14F-4D97-AF65-F5344CB8AC3E}">
-        <p14:creationId xmlns:p14="http://schemas.microsoft.com/office/powerpoint/2010/main" val="3959623972"/>
-      </p:ext>
-    </p:extLst>
-  </p:cSld>
-  <p:clrMapOvr>
-    <a:masterClrMapping/>
-  </p:clrMapOvr>
-</p:sld>
-</file>
-
-<file path=ppt/slides/slide11.xml><?xml version="1.0" encoding="utf-8"?>
-<p:sld xmlns:a="http://schemas.openxmlformats.org/drawingml/2006/main" xmlns:r="http://schemas.openxmlformats.org/officeDocument/2006/relationships" xmlns:p="http://schemas.openxmlformats.org/presentationml/2006/main">
-  <p:cSld>
-    <p:spTree>
-      <p:nvGrpSpPr>
-        <p:cNvPr id="1" name=""/>
-        <p:cNvGrpSpPr/>
-        <p:nvPr/>
-      </p:nvGrpSpPr>
-      <p:grpSpPr>
-        <a:xfrm>
-          <a:off x="0" y="0"/>
-          <a:ext cx="0" cy="0"/>
-          <a:chOff x="0" y="0"/>
-          <a:chExt cx="0" cy="0"/>
-        </a:xfrm>
-      </p:grpSpPr>
-      <p:sp>
-        <p:nvSpPr>
-          <p:cNvPr id="3" name="Content Placeholder 2">
-            <a:extLst>
-              <a:ext uri="{FF2B5EF4-FFF2-40B4-BE49-F238E27FC236}">
                 <a16:creationId xmlns:a16="http://schemas.microsoft.com/office/drawing/2014/main" id="{9B85C07A-1F75-4F55-8E6D-376A6091876D}"/>
               </a:ext>
             </a:extLst>
@@ -8590,7 +8092,7 @@
 </p:sld>
 </file>
 
-<file path=ppt/slides/slide12.xml><?xml version="1.0" encoding="utf-8"?>
+<file path=ppt/slides/slide11.xml><?xml version="1.0" encoding="utf-8"?>
 <p:sld xmlns:a="http://schemas.openxmlformats.org/drawingml/2006/main" xmlns:r="http://schemas.openxmlformats.org/officeDocument/2006/relationships" xmlns:p="http://schemas.openxmlformats.org/presentationml/2006/main">
   <p:cSld>
     <p:spTree>
@@ -8947,7 +8449,7 @@
 </p:sld>
 </file>
 
-<file path=ppt/slides/slide13.xml><?xml version="1.0" encoding="utf-8"?>
+<file path=ppt/slides/slide12.xml><?xml version="1.0" encoding="utf-8"?>
 <p:sld xmlns:a="http://schemas.openxmlformats.org/drawingml/2006/main" xmlns:r="http://schemas.openxmlformats.org/officeDocument/2006/relationships" xmlns:p="http://schemas.openxmlformats.org/presentationml/2006/main">
   <p:cSld>
     <p:spTree>
@@ -9937,7 +9439,7 @@
 </p:sld>
 </file>
 
-<file path=ppt/slides/slide14.xml><?xml version="1.0" encoding="utf-8"?>
+<file path=ppt/slides/slide13.xml><?xml version="1.0" encoding="utf-8"?>
 <p:sld xmlns:a="http://schemas.openxmlformats.org/drawingml/2006/main" xmlns:r="http://schemas.openxmlformats.org/officeDocument/2006/relationships" xmlns:p="http://schemas.openxmlformats.org/presentationml/2006/main">
   <p:cSld>
     <p:spTree>
@@ -10897,7 +10399,7 @@
 </p:sld>
 </file>
 
-<file path=ppt/slides/slide15.xml><?xml version="1.0" encoding="utf-8"?>
+<file path=ppt/slides/slide14.xml><?xml version="1.0" encoding="utf-8"?>
 <p:sld xmlns:a="http://schemas.openxmlformats.org/drawingml/2006/main" xmlns:r="http://schemas.openxmlformats.org/officeDocument/2006/relationships" xmlns:p="http://schemas.openxmlformats.org/presentationml/2006/main">
   <p:cSld>
     <p:spTree>
@@ -11144,7 +10646,7 @@
 </p:sld>
 </file>
 
-<file path=ppt/slides/slide16.xml><?xml version="1.0" encoding="utf-8"?>
+<file path=ppt/slides/slide15.xml><?xml version="1.0" encoding="utf-8"?>
 <p:sld xmlns:a="http://schemas.openxmlformats.org/drawingml/2006/main" xmlns:r="http://schemas.openxmlformats.org/officeDocument/2006/relationships" xmlns:p="http://schemas.openxmlformats.org/presentationml/2006/main">
   <p:cSld>
     <p:spTree>
@@ -11646,7 +11148,7 @@
 </p:sld>
 </file>
 
-<file path=ppt/slides/slide17.xml><?xml version="1.0" encoding="utf-8"?>
+<file path=ppt/slides/slide16.xml><?xml version="1.0" encoding="utf-8"?>
 <p:sld xmlns:a="http://schemas.openxmlformats.org/drawingml/2006/main" xmlns:r="http://schemas.openxmlformats.org/officeDocument/2006/relationships" xmlns:p="http://schemas.openxmlformats.org/presentationml/2006/main">
   <p:cSld>
     <p:spTree>
@@ -12712,7 +12214,7 @@
 </p:sld>
 </file>
 
-<file path=ppt/slides/slide18.xml><?xml version="1.0" encoding="utf-8"?>
+<file path=ppt/slides/slide17.xml><?xml version="1.0" encoding="utf-8"?>
 <p:sld xmlns:a="http://schemas.openxmlformats.org/drawingml/2006/main" xmlns:r="http://schemas.openxmlformats.org/officeDocument/2006/relationships" xmlns:p="http://schemas.openxmlformats.org/presentationml/2006/main">
   <p:cSld>
     <p:spTree>
@@ -12731,68 +12233,147 @@
       </p:grpSpPr>
       <p:sp>
         <p:nvSpPr>
-          <p:cNvPr id="2" name="Title 1">
+          <p:cNvPr id="12" name="Rectangle 11">
             <a:extLst>
               <a:ext uri="{FF2B5EF4-FFF2-40B4-BE49-F238E27FC236}">
-                <a16:creationId xmlns:a16="http://schemas.microsoft.com/office/drawing/2014/main" id="{C9DBF6F0-7527-4159-AD4E-47E541EB22D7}"/>
+                <a16:creationId xmlns:a16="http://schemas.microsoft.com/office/drawing/2014/main" id="{3B5A7536-E64E-49EC-8A02-EA41D17457AF}"/>
               </a:ext>
             </a:extLst>
           </p:cNvPr>
-          <p:cNvSpPr>
-            <a:spLocks noGrp="1"/>
-          </p:cNvSpPr>
-          <p:nvPr>
-            <p:ph type="title"/>
-          </p:nvPr>
+          <p:cNvSpPr/>
+          <p:nvPr/>
         </p:nvSpPr>
-        <p:spPr/>
+        <p:spPr>
+          <a:xfrm>
+            <a:off x="520442" y="2649893"/>
+            <a:ext cx="1135948" cy="646331"/>
+          </a:xfrm>
+          <a:prstGeom prst="rect">
+            <a:avLst/>
+          </a:prstGeom>
+          <a:noFill/>
+        </p:spPr>
         <p:txBody>
-          <a:bodyPr/>
+          <a:bodyPr wrap="square" lIns="91440" tIns="45720" rIns="91440" bIns="45720">
+            <a:spAutoFit/>
+          </a:bodyPr>
           <a:lstStyle/>
           <a:p>
-            <a:r>
-              <a:rPr lang="en-US" dirty="0">
-                <a:cs typeface="Calibri Light"/>
-              </a:rPr>
-              <a:t>//////      ER     ////////</a:t>
-            </a:r>
-            <a:endParaRPr lang="en-US" dirty="0"/>
+            <a:pPr algn="ctr"/>
+            <a:r>
+              <a:rPr lang="en-US" sz="3600" b="1" dirty="0">
+                <a:ln w="9525">
+                  <a:solidFill>
+                    <a:schemeClr val="bg1"/>
+                  </a:solidFill>
+                  <a:prstDash val="solid"/>
+                </a:ln>
+                <a:solidFill>
+                  <a:srgbClr val="002060"/>
+                </a:solidFill>
+                <a:effectLst>
+                  <a:outerShdw blurRad="12700" dist="38100" dir="2700000" algn="tl" rotWithShape="0">
+                    <a:schemeClr val="accent5">
+                      <a:lumMod val="60000"/>
+                      <a:lumOff val="40000"/>
+                    </a:schemeClr>
+                  </a:outerShdw>
+                </a:effectLst>
+              </a:rPr>
+              <a:t>ER</a:t>
+            </a:r>
           </a:p>
         </p:txBody>
       </p:sp>
       <p:sp>
         <p:nvSpPr>
-          <p:cNvPr id="3" name="Content Placeholder 2">
+          <p:cNvPr id="16" name="Rectangle 15">
             <a:extLst>
               <a:ext uri="{FF2B5EF4-FFF2-40B4-BE49-F238E27FC236}">
-                <a16:creationId xmlns:a16="http://schemas.microsoft.com/office/drawing/2014/main" id="{A205C0CD-47A3-4021-AC1D-716414FB2779}"/>
+                <a16:creationId xmlns:a16="http://schemas.microsoft.com/office/drawing/2014/main" id="{22FBF75E-8ABF-41D2-8BB1-8CDDF6E3F85F}"/>
               </a:ext>
             </a:extLst>
           </p:cNvPr>
-          <p:cNvSpPr>
-            <a:spLocks noGrp="1"/>
-          </p:cNvSpPr>
-          <p:nvPr>
-            <p:ph idx="1"/>
-          </p:nvPr>
+          <p:cNvSpPr/>
+          <p:nvPr/>
         </p:nvSpPr>
-        <p:spPr/>
+        <p:spPr>
+          <a:xfrm>
+            <a:off x="-141175" y="3136612"/>
+            <a:ext cx="2459182" cy="584775"/>
+          </a:xfrm>
+          <a:prstGeom prst="rect">
+            <a:avLst/>
+          </a:prstGeom>
+          <a:noFill/>
+        </p:spPr>
         <p:txBody>
-          <a:bodyPr vert="horz" lIns="91440" tIns="45720" rIns="91440" bIns="45720" rtlCol="0" anchor="t">
-            <a:normAutofit/>
+          <a:bodyPr wrap="square" lIns="91440" tIns="45720" rIns="91440" bIns="45720">
+            <a:spAutoFit/>
           </a:bodyPr>
           <a:lstStyle/>
           <a:p>
-            <a:endParaRPr lang="en-US" dirty="0">
-              <a:cs typeface="Calibri"/>
-            </a:endParaRPr>
+            <a:pPr algn="ctr"/>
+            <a:r>
+              <a:rPr lang="en-US" sz="3200" b="1" spc="50" dirty="0">
+                <a:ln w="9525" cmpd="sng">
+                  <a:solidFill>
+                    <a:schemeClr val="accent1"/>
+                  </a:solidFill>
+                  <a:prstDash val="solid"/>
+                </a:ln>
+                <a:solidFill>
+                  <a:srgbClr val="70AD47">
+                    <a:tint val="1000"/>
+                  </a:srgbClr>
+                </a:solidFill>
+                <a:effectLst>
+                  <a:glow rad="38100">
+                    <a:schemeClr val="accent1">
+                      <a:alpha val="40000"/>
+                    </a:schemeClr>
+                  </a:glow>
+                </a:effectLst>
+              </a:rPr>
+              <a:t>Diagram</a:t>
+            </a:r>
           </a:p>
         </p:txBody>
       </p:sp>
+      <p:pic>
+        <p:nvPicPr>
+          <p:cNvPr id="20" name="Picture 19">
+            <a:extLst>
+              <a:ext uri="{FF2B5EF4-FFF2-40B4-BE49-F238E27FC236}">
+                <a16:creationId xmlns:a16="http://schemas.microsoft.com/office/drawing/2014/main" id="{D0347EB3-0D48-49CE-97F4-6E0FA03849A9}"/>
+              </a:ext>
+            </a:extLst>
+          </p:cNvPr>
+          <p:cNvPicPr>
+            <a:picLocks noChangeAspect="1"/>
+          </p:cNvPicPr>
+          <p:nvPr/>
+        </p:nvPicPr>
+        <p:blipFill>
+          <a:blip r:embed="rId2"/>
+          <a:stretch>
+            <a:fillRect/>
+          </a:stretch>
+        </p:blipFill>
+        <p:spPr>
+          <a:xfrm>
+            <a:off x="1864428" y="461682"/>
+            <a:ext cx="9994780" cy="5866661"/>
+          </a:xfrm>
+          <a:prstGeom prst="rect">
+            <a:avLst/>
+          </a:prstGeom>
+        </p:spPr>
+      </p:pic>
     </p:spTree>
     <p:extLst>
       <p:ext uri="{BB962C8B-B14F-4D97-AF65-F5344CB8AC3E}">
-        <p14:creationId xmlns:p14="http://schemas.microsoft.com/office/powerpoint/2010/main" val="2045203194"/>
+        <p14:creationId xmlns:p14="http://schemas.microsoft.com/office/powerpoint/2010/main" val="967921709"/>
       </p:ext>
     </p:extLst>
   </p:cSld>
@@ -12802,7 +12383,7 @@
 </p:sld>
 </file>
 
-<file path=ppt/slides/slide19.xml><?xml version="1.0" encoding="utf-8"?>
+<file path=ppt/slides/slide18.xml><?xml version="1.0" encoding="utf-8"?>
 <p:sld xmlns:a="http://schemas.openxmlformats.org/drawingml/2006/main" xmlns:r="http://schemas.openxmlformats.org/officeDocument/2006/relationships" xmlns:p="http://schemas.openxmlformats.org/presentationml/2006/main">
   <p:cSld>
     <p:bg>
@@ -13456,7 +13037,7 @@
 </p:sld>
 </file>
 
-<file path=ppt/slides/slide2.xml><?xml version="1.0" encoding="utf-8"?>
+<file path=ppt/slides/slide19.xml><?xml version="1.0" encoding="utf-8"?>
 <p:sld xmlns:a="http://schemas.openxmlformats.org/drawingml/2006/main" xmlns:r="http://schemas.openxmlformats.org/officeDocument/2006/relationships" xmlns:p="http://schemas.openxmlformats.org/presentationml/2006/main">
   <p:cSld>
     <p:bg>
@@ -14008,7 +13589,7 @@
           <p:cNvPr id="2" name="Title 1">
             <a:extLst>
               <a:ext uri="{FF2B5EF4-FFF2-40B4-BE49-F238E27FC236}">
-                <a16:creationId xmlns:a16="http://schemas.microsoft.com/office/drawing/2014/main" id="{468B5AB4-890F-4727-9129-19B9A6817505}"/>
+                <a16:creationId xmlns:a16="http://schemas.microsoft.com/office/drawing/2014/main" id="{8D22E6ED-DA80-4FBA-A2A3-42912E1C665D}"/>
               </a:ext>
             </a:extLst>
           </p:cNvPr>
@@ -14031,16 +13612,7 @@
           </a:bodyPr>
           <a:lstStyle/>
           <a:p>
-            <a:r>
-              <a:rPr lang="en-US" sz="4000" dirty="0">
-                <a:solidFill>
-                  <a:srgbClr val="FFFFFF"/>
-                </a:solidFill>
-                <a:cs typeface="Calibri Light"/>
-              </a:rPr>
-              <a:t>Contents</a:t>
-            </a:r>
-            <a:endParaRPr lang="en-US" sz="4000" dirty="0">
+            <a:endParaRPr lang="en-US" sz="4000">
               <a:solidFill>
                 <a:srgbClr val="FFFFFF"/>
               </a:solidFill>
@@ -14053,7 +13625,7 @@
           <p:cNvPr id="3" name="Content Placeholder 2">
             <a:extLst>
               <a:ext uri="{FF2B5EF4-FFF2-40B4-BE49-F238E27FC236}">
-                <a16:creationId xmlns:a16="http://schemas.microsoft.com/office/drawing/2014/main" id="{7C120536-97B7-4E56-8FB6-48F34C8B42DD}"/>
+                <a16:creationId xmlns:a16="http://schemas.microsoft.com/office/drawing/2014/main" id="{C492E598-D7E8-4355-9488-948803B5A3AB}"/>
               </a:ext>
             </a:extLst>
           </p:cNvPr>
@@ -14066,8 +13638,8 @@
         </p:nvSpPr>
         <p:spPr>
           <a:xfrm>
-            <a:off x="1367624" y="2250354"/>
-            <a:ext cx="9708995" cy="3807255"/>
+            <a:off x="1507992" y="2179620"/>
+            <a:ext cx="9708995" cy="3567173"/>
           </a:xfrm>
         </p:spPr>
         <p:txBody>
@@ -14079,71 +13651,18 @@
             <a:pPr marL="0" indent="0">
               <a:buNone/>
             </a:pPr>
-            <a:endParaRPr lang="en-US" sz="2400" dirty="0">
-              <a:ea typeface="+mn-lt"/>
-              <a:cs typeface="+mn-lt"/>
-            </a:endParaRPr>
-          </a:p>
-          <a:p>
-            <a:r>
-              <a:rPr lang="en-US" sz="2400" dirty="0">
-                <a:ea typeface="+mn-lt"/>
-                <a:cs typeface="+mn-lt"/>
-              </a:rPr>
-              <a:t>Problem Definition</a:t>
-            </a:r>
-          </a:p>
-          <a:p>
-            <a:r>
-              <a:rPr lang="en-US" sz="2400" dirty="0">
-                <a:ea typeface="+mn-lt"/>
-                <a:cs typeface="+mn-lt"/>
-              </a:rPr>
-              <a:t>Aim</a:t>
-            </a:r>
-          </a:p>
-          <a:p>
-            <a:r>
-              <a:rPr lang="en-US" sz="2400" dirty="0">
-                <a:ea typeface="+mn-lt"/>
-                <a:cs typeface="+mn-lt"/>
-              </a:rPr>
-              <a:t>Functionalities</a:t>
-            </a:r>
-          </a:p>
-          <a:p>
-            <a:r>
-              <a:rPr lang="en-US" sz="2400" dirty="0">
-                <a:ea typeface="+mn-lt"/>
-                <a:cs typeface="+mn-lt"/>
-              </a:rPr>
-              <a:t>Modules</a:t>
-            </a:r>
-          </a:p>
-          <a:p>
-            <a:r>
-              <a:rPr lang="en-US" sz="2400" dirty="0">
-                <a:ea typeface="+mn-lt"/>
-                <a:cs typeface="+mn-lt"/>
-              </a:rPr>
-              <a:t>Schema Diagram</a:t>
-            </a:r>
-          </a:p>
-          <a:p>
-            <a:r>
-              <a:rPr lang="en-US" sz="2400" dirty="0">
-                <a:ea typeface="+mn-lt"/>
-                <a:cs typeface="+mn-lt"/>
-              </a:rPr>
-              <a:t>ER Diagram</a:t>
-            </a:r>
-          </a:p>
-          <a:p>
             <a:r>
               <a:rPr lang="en-US" sz="2400" dirty="0">
                 <a:cs typeface="Calibri"/>
               </a:rPr>
-              <a:t>Development Platform</a:t>
+              <a:t>                               </a:t>
+            </a:r>
+            <a:r>
+              <a:rPr lang="en-US" sz="6000" b="1" i="1" dirty="0">
+                <a:latin typeface="Times New Roman"/>
+                <a:cs typeface="Calibri"/>
+              </a:rPr>
+              <a:t>THANK YOU!</a:t>
             </a:r>
           </a:p>
         </p:txBody>
@@ -14151,7 +13670,7 @@
     </p:spTree>
     <p:extLst>
       <p:ext uri="{BB962C8B-B14F-4D97-AF65-F5344CB8AC3E}">
-        <p14:creationId xmlns:p14="http://schemas.microsoft.com/office/powerpoint/2010/main" val="3642362530"/>
+        <p14:creationId xmlns:p14="http://schemas.microsoft.com/office/powerpoint/2010/main" val="1445998322"/>
       </p:ext>
     </p:extLst>
   </p:cSld>
@@ -14161,7 +13680,7 @@
 </p:sld>
 </file>
 
-<file path=ppt/slides/slide20.xml><?xml version="1.0" encoding="utf-8"?>
+<file path=ppt/slides/slide2.xml><?xml version="1.0" encoding="utf-8"?>
 <p:sld xmlns:a="http://schemas.openxmlformats.org/drawingml/2006/main" xmlns:r="http://schemas.openxmlformats.org/officeDocument/2006/relationships" xmlns:p="http://schemas.openxmlformats.org/presentationml/2006/main">
   <p:cSld>
     <p:bg>
@@ -14713,7 +14232,7 @@
           <p:cNvPr id="2" name="Title 1">
             <a:extLst>
               <a:ext uri="{FF2B5EF4-FFF2-40B4-BE49-F238E27FC236}">
-                <a16:creationId xmlns:a16="http://schemas.microsoft.com/office/drawing/2014/main" id="{8D22E6ED-DA80-4FBA-A2A3-42912E1C665D}"/>
+                <a16:creationId xmlns:a16="http://schemas.microsoft.com/office/drawing/2014/main" id="{468B5AB4-890F-4727-9129-19B9A6817505}"/>
               </a:ext>
             </a:extLst>
           </p:cNvPr>
@@ -14736,7 +14255,16 @@
           </a:bodyPr>
           <a:lstStyle/>
           <a:p>
-            <a:endParaRPr lang="en-US" sz="4000">
+            <a:r>
+              <a:rPr lang="en-US" sz="4000" dirty="0">
+                <a:solidFill>
+                  <a:srgbClr val="FFFFFF"/>
+                </a:solidFill>
+                <a:cs typeface="Calibri Light"/>
+              </a:rPr>
+              <a:t>Contents</a:t>
+            </a:r>
+            <a:endParaRPr lang="en-US" sz="4000" dirty="0">
               <a:solidFill>
                 <a:srgbClr val="FFFFFF"/>
               </a:solidFill>
@@ -14749,7 +14277,7 @@
           <p:cNvPr id="3" name="Content Placeholder 2">
             <a:extLst>
               <a:ext uri="{FF2B5EF4-FFF2-40B4-BE49-F238E27FC236}">
-                <a16:creationId xmlns:a16="http://schemas.microsoft.com/office/drawing/2014/main" id="{C492E598-D7E8-4355-9488-948803B5A3AB}"/>
+                <a16:creationId xmlns:a16="http://schemas.microsoft.com/office/drawing/2014/main" id="{7C120536-97B7-4E56-8FB6-48F34C8B42DD}"/>
               </a:ext>
             </a:extLst>
           </p:cNvPr>
@@ -14762,8 +14290,8 @@
         </p:nvSpPr>
         <p:spPr>
           <a:xfrm>
-            <a:off x="1507992" y="2179620"/>
-            <a:ext cx="9708995" cy="3567173"/>
+            <a:off x="1367624" y="2250354"/>
+            <a:ext cx="9708995" cy="3807255"/>
           </a:xfrm>
         </p:spPr>
         <p:txBody>
@@ -14775,18 +14303,71 @@
             <a:pPr marL="0" indent="0">
               <a:buNone/>
             </a:pPr>
+            <a:endParaRPr lang="en-US" sz="2400" dirty="0">
+              <a:ea typeface="+mn-lt"/>
+              <a:cs typeface="+mn-lt"/>
+            </a:endParaRPr>
+          </a:p>
+          <a:p>
+            <a:r>
+              <a:rPr lang="en-US" sz="2400" dirty="0">
+                <a:ea typeface="+mn-lt"/>
+                <a:cs typeface="+mn-lt"/>
+              </a:rPr>
+              <a:t>Problem Definition</a:t>
+            </a:r>
+          </a:p>
+          <a:p>
+            <a:r>
+              <a:rPr lang="en-US" sz="2400" dirty="0">
+                <a:ea typeface="+mn-lt"/>
+                <a:cs typeface="+mn-lt"/>
+              </a:rPr>
+              <a:t>Aim</a:t>
+            </a:r>
+          </a:p>
+          <a:p>
+            <a:r>
+              <a:rPr lang="en-US" sz="2400" dirty="0">
+                <a:ea typeface="+mn-lt"/>
+                <a:cs typeface="+mn-lt"/>
+              </a:rPr>
+              <a:t>Functionalities</a:t>
+            </a:r>
+          </a:p>
+          <a:p>
+            <a:r>
+              <a:rPr lang="en-US" sz="2400" dirty="0">
+                <a:ea typeface="+mn-lt"/>
+                <a:cs typeface="+mn-lt"/>
+              </a:rPr>
+              <a:t>Modules</a:t>
+            </a:r>
+          </a:p>
+          <a:p>
+            <a:r>
+              <a:rPr lang="en-US" sz="2400" dirty="0">
+                <a:ea typeface="+mn-lt"/>
+                <a:cs typeface="+mn-lt"/>
+              </a:rPr>
+              <a:t>Schema Diagram</a:t>
+            </a:r>
+          </a:p>
+          <a:p>
+            <a:r>
+              <a:rPr lang="en-US" sz="2400" dirty="0">
+                <a:ea typeface="+mn-lt"/>
+                <a:cs typeface="+mn-lt"/>
+              </a:rPr>
+              <a:t>ER Diagram</a:t>
+            </a:r>
+          </a:p>
+          <a:p>
             <a:r>
               <a:rPr lang="en-US" sz="2400" dirty="0">
                 <a:cs typeface="Calibri"/>
               </a:rPr>
-              <a:t>                               </a:t>
-            </a:r>
-            <a:r>
-              <a:rPr lang="en-US" sz="6000" b="1" i="1" dirty="0">
-                <a:latin typeface="Times New Roman"/>
-                <a:cs typeface="Calibri"/>
-              </a:rPr>
-              <a:t>THANK YOU!</a:t>
+              <a:t>Development Platform</a:t>
             </a:r>
           </a:p>
         </p:txBody>
@@ -14794,7 +14375,7 @@
     </p:spTree>
     <p:extLst>
       <p:ext uri="{BB962C8B-B14F-4D97-AF65-F5344CB8AC3E}">
-        <p14:creationId xmlns:p14="http://schemas.microsoft.com/office/powerpoint/2010/main" val="1445998322"/>
+        <p14:creationId xmlns:p14="http://schemas.microsoft.com/office/powerpoint/2010/main" val="3642362530"/>
       </p:ext>
     </p:extLst>
   </p:cSld>
@@ -15380,7 +14961,7 @@
           <a:lstStyle/>
           <a:p>
             <a:r>
-              <a:rPr lang="en-US" sz="4000">
+              <a:rPr lang="en-US" sz="4000" dirty="0">
                 <a:solidFill>
                   <a:srgbClr val="FFFFFF"/>
                 </a:solidFill>
@@ -15389,7 +14970,7 @@
               </a:rPr>
               <a:t>Problem Definition</a:t>
             </a:r>
-            <a:endParaRPr lang="en-US" sz="4000">
+            <a:endParaRPr lang="en-US" sz="4000" dirty="0">
               <a:solidFill>
                 <a:srgbClr val="FFFFFF"/>
               </a:solidFill>
@@ -15429,13 +15010,13 @@
               <a:buNone/>
             </a:pPr>
             <a:r>
-              <a:rPr lang="en-US" sz="2000">
+              <a:rPr lang="en-US" sz="2000" dirty="0">
                 <a:ea typeface="+mn-lt"/>
                 <a:cs typeface="+mn-lt"/>
               </a:rPr>
               <a:t>With banks being just a few clicks away; online banking allows customers to access their bank accounts from anywhere; 24/7 securely and conveniently. A new age online banking system allows customers to conduct day-to-day money transfers, direct deposits, bill payments to be carried out efficiently with utmost ease and comfort. With the concept of banking turning online, the users can keep a good eye, monitoring all their balance and pending transactions in real-time. In order to deal with the banking tasks online, a database to record all the details is very much needed along with a user interface for both the ends to interact.  </a:t>
             </a:r>
-            <a:endParaRPr lang="en-US" sz="2000">
+            <a:endParaRPr lang="en-US" sz="2000" dirty="0">
               <a:cs typeface="Calibri"/>
             </a:endParaRPr>
           </a:p>
@@ -15443,7 +15024,7 @@
             <a:pPr marL="0" indent="0">
               <a:buNone/>
             </a:pPr>
-            <a:endParaRPr lang="en-US" sz="2000">
+            <a:endParaRPr lang="en-US" sz="2000" dirty="0">
               <a:cs typeface="Calibri"/>
             </a:endParaRPr>
           </a:p>
@@ -15452,12 +15033,12 @@
               <a:buNone/>
             </a:pPr>
             <a:r>
-              <a:rPr lang="en-US" sz="2000">
+              <a:rPr lang="en-US" sz="2000" dirty="0">
                 <a:cs typeface="Calibri"/>
               </a:rPr>
               <a:t>This platform is designed to serve as a one-stop solution for both the customers and administrators.  </a:t>
             </a:r>
-            <a:endParaRPr lang="en-US" sz="2000"/>
+            <a:endParaRPr lang="en-US" sz="2000" dirty="0"/>
           </a:p>
         </p:txBody>
       </p:sp>
@@ -16098,13 +15679,13 @@
               <a:buNone/>
             </a:pPr>
             <a:r>
-              <a:rPr lang="en-US" sz="2400">
+              <a:rPr lang="en-US" sz="2400" dirty="0">
                 <a:ea typeface="+mn-lt"/>
                 <a:cs typeface="+mn-lt"/>
               </a:rPr>
               <a:t>The main aim of this project is to design and develop a database for the bank to maintain records of various branches of the bank across the country, administrators’ details as well customers' account details, account statements, transaction details, loan details (if availed by the customer) and bill payments in order to nurture the needs of an end banking user by providing various ways to perform banking tasks online. </a:t>
             </a:r>
-            <a:endParaRPr lang="en-US" sz="2400"/>
+            <a:endParaRPr lang="en-US" sz="2400" dirty="0"/>
           </a:p>
         </p:txBody>
       </p:sp>
@@ -18460,643 +18041,6 @@
 <file path=ppt/slides/slide7.xml><?xml version="1.0" encoding="utf-8"?>
 <p:sld xmlns:a="http://schemas.openxmlformats.org/drawingml/2006/main" xmlns:r="http://schemas.openxmlformats.org/officeDocument/2006/relationships" xmlns:p="http://schemas.openxmlformats.org/presentationml/2006/main">
   <p:cSld>
-    <p:bg>
-      <p:bgPr>
-        <a:solidFill>
-          <a:schemeClr val="bg1"/>
-        </a:solidFill>
-        <a:effectLst/>
-      </p:bgPr>
-    </p:bg>
-    <p:spTree>
-      <p:nvGrpSpPr>
-        <p:cNvPr id="1" name=""/>
-        <p:cNvGrpSpPr/>
-        <p:nvPr/>
-      </p:nvGrpSpPr>
-      <p:grpSpPr>
-        <a:xfrm>
-          <a:off x="0" y="0"/>
-          <a:ext cx="0" cy="0"/>
-          <a:chOff x="0" y="0"/>
-          <a:chExt cx="0" cy="0"/>
-        </a:xfrm>
-      </p:grpSpPr>
-      <p:sp useBgFill="1">
-        <p:nvSpPr>
-          <p:cNvPr id="8" name="Rectangle 7">
-            <a:extLst>
-              <a:ext uri="{FF2B5EF4-FFF2-40B4-BE49-F238E27FC236}">
-                <a16:creationId xmlns:a16="http://schemas.microsoft.com/office/drawing/2014/main" id="{827B839B-9ADE-406B-8590-F1CAEDED45A1}"/>
-              </a:ext>
-              <a:ext uri="{C183D7F6-B498-43B3-948B-1728B52AA6E4}">
-                <adec:decorative xmlns:adec="http://schemas.microsoft.com/office/drawing/2017/decorative" val="1"/>
-              </a:ext>
-            </a:extLst>
-          </p:cNvPr>
-          <p:cNvSpPr>
-            <a:spLocks noGrp="1" noRot="1" noChangeAspect="1" noMove="1" noResize="1" noEditPoints="1" noAdjustHandles="1" noChangeArrowheads="1" noChangeShapeType="1" noTextEdit="1"/>
-          </p:cNvSpPr>
-          <p:nvPr>
-            <p:extLst>
-              <p:ext uri="{386F3935-93C4-4BCD-93E2-E3B085C9AB24}">
-                <p16:designElem xmlns:p16="http://schemas.microsoft.com/office/powerpoint/2015/main" val="1"/>
-              </p:ext>
-            </p:extLst>
-          </p:nvPr>
-        </p:nvSpPr>
-        <p:spPr>
-          <a:xfrm>
-            <a:off x="0" y="0"/>
-            <a:ext cx="12188952" cy="6858000"/>
-          </a:xfrm>
-          <a:prstGeom prst="rect">
-            <a:avLst/>
-          </a:prstGeom>
-          <a:ln>
-            <a:noFill/>
-          </a:ln>
-        </p:spPr>
-        <p:style>
-          <a:lnRef idx="2">
-            <a:schemeClr val="accent1">
-              <a:shade val="50000"/>
-            </a:schemeClr>
-          </a:lnRef>
-          <a:fillRef idx="1">
-            <a:schemeClr val="accent1"/>
-          </a:fillRef>
-          <a:effectRef idx="0">
-            <a:schemeClr val="accent1"/>
-          </a:effectRef>
-          <a:fontRef idx="minor">
-            <a:schemeClr val="lt1"/>
-          </a:fontRef>
-        </p:style>
-        <p:txBody>
-          <a:bodyPr rtlCol="0" anchor="ctr"/>
-          <a:lstStyle/>
-          <a:p>
-            <a:pPr algn="ctr"/>
-            <a:endParaRPr lang="en-US"/>
-          </a:p>
-        </p:txBody>
-      </p:sp>
-      <p:sp>
-        <p:nvSpPr>
-          <p:cNvPr id="10" name="Freeform 45">
-            <a:extLst>
-              <a:ext uri="{FF2B5EF4-FFF2-40B4-BE49-F238E27FC236}">
-                <a16:creationId xmlns:a16="http://schemas.microsoft.com/office/drawing/2014/main" id="{CFE45BF0-46DB-408C-B5F7-7B11716805D4}"/>
-              </a:ext>
-              <a:ext uri="{C183D7F6-B498-43B3-948B-1728B52AA6E4}">
-                <adec:decorative xmlns:adec="http://schemas.microsoft.com/office/drawing/2017/decorative" val="1"/>
-              </a:ext>
-            </a:extLst>
-          </p:cNvPr>
-          <p:cNvSpPr>
-            <a:spLocks noGrp="1" noRot="1" noChangeAspect="1" noMove="1" noResize="1" noEditPoints="1" noAdjustHandles="1" noChangeArrowheads="1" noChangeShapeType="1" noTextEdit="1"/>
-          </p:cNvSpPr>
-          <p:nvPr>
-            <p:extLst>
-              <p:ext uri="{386F3935-93C4-4BCD-93E2-E3B085C9AB24}">
-                <p16:designElem xmlns:p16="http://schemas.microsoft.com/office/powerpoint/2015/main" val="1"/>
-              </p:ext>
-            </p:extLst>
-          </p:nvPr>
-        </p:nvSpPr>
-        <p:spPr bwMode="auto">
-          <a:xfrm>
-            <a:off x="409710" y="1022350"/>
-            <a:ext cx="709612" cy="2095501"/>
-          </a:xfrm>
-          <a:custGeom>
-            <a:avLst/>
-            <a:gdLst>
-              <a:gd name="T0" fmla="*/ 447 w 447"/>
-              <a:gd name="T1" fmla="*/ 1363 h 1363"/>
-              <a:gd name="T2" fmla="*/ 0 w 447"/>
-              <a:gd name="T3" fmla="*/ 987 h 1363"/>
-              <a:gd name="T4" fmla="*/ 0 w 447"/>
-              <a:gd name="T5" fmla="*/ 0 h 1363"/>
-              <a:gd name="T6" fmla="*/ 447 w 447"/>
-              <a:gd name="T7" fmla="*/ 376 h 1363"/>
-              <a:gd name="T8" fmla="*/ 447 w 447"/>
-              <a:gd name="T9" fmla="*/ 1363 h 1363"/>
-            </a:gdLst>
-            <a:ahLst/>
-            <a:cxnLst>
-              <a:cxn ang="0">
-                <a:pos x="T0" y="T1"/>
-              </a:cxn>
-              <a:cxn ang="0">
-                <a:pos x="T2" y="T3"/>
-              </a:cxn>
-              <a:cxn ang="0">
-                <a:pos x="T4" y="T5"/>
-              </a:cxn>
-              <a:cxn ang="0">
-                <a:pos x="T6" y="T7"/>
-              </a:cxn>
-              <a:cxn ang="0">
-                <a:pos x="T8" y="T9"/>
-              </a:cxn>
-            </a:cxnLst>
-            <a:rect l="0" t="0" r="r" b="b"/>
-            <a:pathLst>
-              <a:path w="447" h="1363">
-                <a:moveTo>
-                  <a:pt x="447" y="1363"/>
-                </a:moveTo>
-                <a:lnTo>
-                  <a:pt x="0" y="987"/>
-                </a:lnTo>
-                <a:lnTo>
-                  <a:pt x="0" y="0"/>
-                </a:lnTo>
-                <a:lnTo>
-                  <a:pt x="447" y="376"/>
-                </a:lnTo>
-                <a:lnTo>
-                  <a:pt x="447" y="1363"/>
-                </a:lnTo>
-                <a:close/>
-              </a:path>
-            </a:pathLst>
-          </a:custGeom>
-          <a:solidFill>
-            <a:schemeClr val="accent1">
-              <a:lumMod val="50000"/>
-            </a:schemeClr>
-          </a:solidFill>
-          <a:ln>
-            <a:noFill/>
-          </a:ln>
-        </p:spPr>
-        <p:txBody>
-          <a:bodyPr vert="horz" wrap="square" lIns="91440" tIns="45720" rIns="91440" bIns="45720" numCol="1" anchor="t" anchorCtr="0" compatLnSpc="1">
-            <a:prstTxWarp prst="textNoShape">
-              <a:avLst/>
-            </a:prstTxWarp>
-          </a:bodyPr>
-          <a:lstStyle/>
-          <a:p>
-            <a:endParaRPr lang="en-US"/>
-          </a:p>
-        </p:txBody>
-      </p:sp>
-      <p:sp>
-        <p:nvSpPr>
-          <p:cNvPr id="12" name="Freeform 46">
-            <a:extLst>
-              <a:ext uri="{FF2B5EF4-FFF2-40B4-BE49-F238E27FC236}">
-                <a16:creationId xmlns:a16="http://schemas.microsoft.com/office/drawing/2014/main" id="{2AEBC8F2-97B1-41B4-93F1-2D289E197FBA}"/>
-              </a:ext>
-              <a:ext uri="{C183D7F6-B498-43B3-948B-1728B52AA6E4}">
-                <adec:decorative xmlns:adec="http://schemas.microsoft.com/office/drawing/2017/decorative" val="1"/>
-              </a:ext>
-            </a:extLst>
-          </p:cNvPr>
-          <p:cNvSpPr>
-            <a:spLocks noGrp="1" noRot="1" noChangeAspect="1" noMove="1" noResize="1" noEditPoints="1" noAdjustHandles="1" noChangeArrowheads="1" noChangeShapeType="1" noTextEdit="1"/>
-          </p:cNvSpPr>
-          <p:nvPr>
-            <p:extLst>
-              <p:ext uri="{386F3935-93C4-4BCD-93E2-E3B085C9AB24}">
-                <p16:designElem xmlns:p16="http://schemas.microsoft.com/office/powerpoint/2015/main" val="1"/>
-              </p:ext>
-            </p:extLst>
-          </p:nvPr>
-        </p:nvSpPr>
-        <p:spPr bwMode="auto">
-          <a:xfrm>
-            <a:off x="409710" y="837744"/>
-            <a:ext cx="403225" cy="1705431"/>
-          </a:xfrm>
-          <a:custGeom>
-            <a:avLst/>
-            <a:gdLst>
-              <a:gd name="T0" fmla="*/ 254 w 254"/>
-              <a:gd name="T1" fmla="*/ 987 h 1109"/>
-              <a:gd name="T2" fmla="*/ 0 w 254"/>
-              <a:gd name="T3" fmla="*/ 1109 h 1109"/>
-              <a:gd name="T4" fmla="*/ 0 w 254"/>
-              <a:gd name="T5" fmla="*/ 119 h 1109"/>
-              <a:gd name="T6" fmla="*/ 254 w 254"/>
-              <a:gd name="T7" fmla="*/ 0 h 1109"/>
-              <a:gd name="T8" fmla="*/ 254 w 254"/>
-              <a:gd name="T9" fmla="*/ 987 h 1109"/>
-            </a:gdLst>
-            <a:ahLst/>
-            <a:cxnLst>
-              <a:cxn ang="0">
-                <a:pos x="T0" y="T1"/>
-              </a:cxn>
-              <a:cxn ang="0">
-                <a:pos x="T2" y="T3"/>
-              </a:cxn>
-              <a:cxn ang="0">
-                <a:pos x="T4" y="T5"/>
-              </a:cxn>
-              <a:cxn ang="0">
-                <a:pos x="T6" y="T7"/>
-              </a:cxn>
-              <a:cxn ang="0">
-                <a:pos x="T8" y="T9"/>
-              </a:cxn>
-            </a:cxnLst>
-            <a:rect l="0" t="0" r="r" b="b"/>
-            <a:pathLst>
-              <a:path w="254" h="1109">
-                <a:moveTo>
-                  <a:pt x="254" y="987"/>
-                </a:moveTo>
-                <a:lnTo>
-                  <a:pt x="0" y="1109"/>
-                </a:lnTo>
-                <a:lnTo>
-                  <a:pt x="0" y="119"/>
-                </a:lnTo>
-                <a:lnTo>
-                  <a:pt x="254" y="0"/>
-                </a:lnTo>
-                <a:lnTo>
-                  <a:pt x="254" y="987"/>
-                </a:lnTo>
-                <a:close/>
-              </a:path>
-            </a:pathLst>
-          </a:custGeom>
-          <a:solidFill>
-            <a:schemeClr val="accent1">
-              <a:lumMod val="75000"/>
-            </a:schemeClr>
-          </a:solidFill>
-          <a:ln>
-            <a:noFill/>
-          </a:ln>
-        </p:spPr>
-        <p:txBody>
-          <a:bodyPr vert="horz" wrap="square" lIns="91440" tIns="45720" rIns="91440" bIns="45720" numCol="1" anchor="t" anchorCtr="0" compatLnSpc="1">
-            <a:prstTxWarp prst="textNoShape">
-              <a:avLst/>
-            </a:prstTxWarp>
-          </a:bodyPr>
-          <a:lstStyle/>
-          <a:p>
-            <a:endParaRPr lang="en-US"/>
-          </a:p>
-        </p:txBody>
-      </p:sp>
-      <p:sp>
-        <p:nvSpPr>
-          <p:cNvPr id="14" name="Freeform 47">
-            <a:extLst>
-              <a:ext uri="{FF2B5EF4-FFF2-40B4-BE49-F238E27FC236}">
-                <a16:creationId xmlns:a16="http://schemas.microsoft.com/office/drawing/2014/main" id="{472E3A19-F5D5-48FC-BB9C-48C2F68F598B}"/>
-              </a:ext>
-              <a:ext uri="{C183D7F6-B498-43B3-948B-1728B52AA6E4}">
-                <adec:decorative xmlns:adec="http://schemas.microsoft.com/office/drawing/2017/decorative" val="1"/>
-              </a:ext>
-            </a:extLst>
-          </p:cNvPr>
-          <p:cNvSpPr>
-            <a:spLocks noGrp="1" noRot="1" noChangeAspect="1" noMove="1" noResize="1" noEditPoints="1" noAdjustHandles="1" noChangeArrowheads="1" noChangeShapeType="1" noTextEdit="1"/>
-          </p:cNvSpPr>
-          <p:nvPr>
-            <p:extLst>
-              <p:ext uri="{386F3935-93C4-4BCD-93E2-E3B085C9AB24}">
-                <p16:designElem xmlns:p16="http://schemas.microsoft.com/office/powerpoint/2015/main" val="1"/>
-              </p:ext>
-            </p:extLst>
-          </p:nvPr>
-        </p:nvSpPr>
-        <p:spPr bwMode="auto">
-          <a:xfrm>
-            <a:off x="644660" y="640894"/>
-            <a:ext cx="168275" cy="1713195"/>
-          </a:xfrm>
-          <a:custGeom>
-            <a:avLst/>
-            <a:gdLst>
-              <a:gd name="T0" fmla="*/ 106 w 106"/>
-              <a:gd name="T1" fmla="*/ 1114 h 1114"/>
-              <a:gd name="T2" fmla="*/ 0 w 106"/>
-              <a:gd name="T3" fmla="*/ 1005 h 1114"/>
-              <a:gd name="T4" fmla="*/ 0 w 106"/>
-              <a:gd name="T5" fmla="*/ 0 h 1114"/>
-              <a:gd name="T6" fmla="*/ 106 w 106"/>
-              <a:gd name="T7" fmla="*/ 110 h 1114"/>
-              <a:gd name="T8" fmla="*/ 106 w 106"/>
-              <a:gd name="T9" fmla="*/ 1114 h 1114"/>
-            </a:gdLst>
-            <a:ahLst/>
-            <a:cxnLst>
-              <a:cxn ang="0">
-                <a:pos x="T0" y="T1"/>
-              </a:cxn>
-              <a:cxn ang="0">
-                <a:pos x="T2" y="T3"/>
-              </a:cxn>
-              <a:cxn ang="0">
-                <a:pos x="T4" y="T5"/>
-              </a:cxn>
-              <a:cxn ang="0">
-                <a:pos x="T6" y="T7"/>
-              </a:cxn>
-              <a:cxn ang="0">
-                <a:pos x="T8" y="T9"/>
-              </a:cxn>
-            </a:cxnLst>
-            <a:rect l="0" t="0" r="r" b="b"/>
-            <a:pathLst>
-              <a:path w="106" h="1114">
-                <a:moveTo>
-                  <a:pt x="106" y="1114"/>
-                </a:moveTo>
-                <a:lnTo>
-                  <a:pt x="0" y="1005"/>
-                </a:lnTo>
-                <a:lnTo>
-                  <a:pt x="0" y="0"/>
-                </a:lnTo>
-                <a:lnTo>
-                  <a:pt x="106" y="110"/>
-                </a:lnTo>
-                <a:lnTo>
-                  <a:pt x="106" y="1114"/>
-                </a:lnTo>
-                <a:close/>
-              </a:path>
-            </a:pathLst>
-          </a:custGeom>
-          <a:solidFill>
-            <a:schemeClr val="accent1">
-              <a:lumMod val="50000"/>
-            </a:schemeClr>
-          </a:solidFill>
-          <a:ln>
-            <a:noFill/>
-          </a:ln>
-        </p:spPr>
-        <p:txBody>
-          <a:bodyPr vert="horz" wrap="square" lIns="91440" tIns="45720" rIns="91440" bIns="45720" numCol="1" anchor="t" anchorCtr="0" compatLnSpc="1">
-            <a:prstTxWarp prst="textNoShape">
-              <a:avLst/>
-            </a:prstTxWarp>
-          </a:bodyPr>
-          <a:lstStyle/>
-          <a:p>
-            <a:endParaRPr lang="en-US"/>
-          </a:p>
-        </p:txBody>
-      </p:sp>
-      <p:sp>
-        <p:nvSpPr>
-          <p:cNvPr id="16" name="Freeform 44">
-            <a:extLst>
-              <a:ext uri="{FF2B5EF4-FFF2-40B4-BE49-F238E27FC236}">
-                <a16:creationId xmlns:a16="http://schemas.microsoft.com/office/drawing/2014/main" id="{7A62E32F-BB65-43A8-8EB5-92346890E549}"/>
-              </a:ext>
-              <a:ext uri="{C183D7F6-B498-43B3-948B-1728B52AA6E4}">
-                <adec:decorative xmlns:adec="http://schemas.microsoft.com/office/drawing/2017/decorative" val="1"/>
-              </a:ext>
-            </a:extLst>
-          </p:cNvPr>
-          <p:cNvSpPr>
-            <a:spLocks noGrp="1" noRot="1" noChangeAspect="1" noMove="1" noResize="1" noEditPoints="1" noAdjustHandles="1" noChangeArrowheads="1" noChangeShapeType="1" noTextEdit="1"/>
-          </p:cNvSpPr>
-          <p:nvPr>
-            <p:extLst>
-              <p:ext uri="{386F3935-93C4-4BCD-93E2-E3B085C9AB24}">
-                <p16:designElem xmlns:p16="http://schemas.microsoft.com/office/powerpoint/2015/main" val="1"/>
-              </p:ext>
-            </p:extLst>
-          </p:nvPr>
-        </p:nvSpPr>
-        <p:spPr bwMode="auto">
-          <a:xfrm>
-            <a:off x="11223203" y="635716"/>
-            <a:ext cx="328612" cy="1742360"/>
-          </a:xfrm>
-          <a:custGeom>
-            <a:avLst/>
-            <a:gdLst>
-              <a:gd name="T0" fmla="*/ 207 w 207"/>
-              <a:gd name="T1" fmla="*/ 987 h 1114"/>
-              <a:gd name="T2" fmla="*/ 0 w 207"/>
-              <a:gd name="T3" fmla="*/ 1114 h 1114"/>
-              <a:gd name="T4" fmla="*/ 0 w 207"/>
-              <a:gd name="T5" fmla="*/ 127 h 1114"/>
-              <a:gd name="T6" fmla="*/ 207 w 207"/>
-              <a:gd name="T7" fmla="*/ 0 h 1114"/>
-              <a:gd name="T8" fmla="*/ 207 w 207"/>
-              <a:gd name="T9" fmla="*/ 987 h 1114"/>
-            </a:gdLst>
-            <a:ahLst/>
-            <a:cxnLst>
-              <a:cxn ang="0">
-                <a:pos x="T0" y="T1"/>
-              </a:cxn>
-              <a:cxn ang="0">
-                <a:pos x="T2" y="T3"/>
-              </a:cxn>
-              <a:cxn ang="0">
-                <a:pos x="T4" y="T5"/>
-              </a:cxn>
-              <a:cxn ang="0">
-                <a:pos x="T6" y="T7"/>
-              </a:cxn>
-              <a:cxn ang="0">
-                <a:pos x="T8" y="T9"/>
-              </a:cxn>
-            </a:cxnLst>
-            <a:rect l="0" t="0" r="r" b="b"/>
-            <a:pathLst>
-              <a:path w="207" h="1114">
-                <a:moveTo>
-                  <a:pt x="207" y="987"/>
-                </a:moveTo>
-                <a:lnTo>
-                  <a:pt x="0" y="1114"/>
-                </a:lnTo>
-                <a:lnTo>
-                  <a:pt x="0" y="127"/>
-                </a:lnTo>
-                <a:lnTo>
-                  <a:pt x="207" y="0"/>
-                </a:lnTo>
-                <a:lnTo>
-                  <a:pt x="207" y="987"/>
-                </a:lnTo>
-                <a:close/>
-              </a:path>
-            </a:pathLst>
-          </a:custGeom>
-          <a:solidFill>
-            <a:schemeClr val="accent1">
-              <a:lumMod val="50000"/>
-            </a:schemeClr>
-          </a:solidFill>
-          <a:ln>
-            <a:noFill/>
-          </a:ln>
-        </p:spPr>
-        <p:txBody>
-          <a:bodyPr vert="horz" wrap="square" lIns="91440" tIns="45720" rIns="91440" bIns="45720" numCol="1" anchor="t" anchorCtr="0" compatLnSpc="1">
-            <a:prstTxWarp prst="textNoShape">
-              <a:avLst/>
-            </a:prstTxWarp>
-          </a:bodyPr>
-          <a:lstStyle/>
-          <a:p>
-            <a:endParaRPr lang="en-US"/>
-          </a:p>
-        </p:txBody>
-      </p:sp>
-      <p:sp>
-        <p:nvSpPr>
-          <p:cNvPr id="18" name="Rectangle 17">
-            <a:extLst>
-              <a:ext uri="{FF2B5EF4-FFF2-40B4-BE49-F238E27FC236}">
-                <a16:creationId xmlns:a16="http://schemas.microsoft.com/office/drawing/2014/main" id="{14E91B64-9FCC-451E-AFB4-A827D6329367}"/>
-              </a:ext>
-              <a:ext uri="{C183D7F6-B498-43B3-948B-1728B52AA6E4}">
-                <adec:decorative xmlns:adec="http://schemas.microsoft.com/office/drawing/2017/decorative" val="1"/>
-              </a:ext>
-            </a:extLst>
-          </p:cNvPr>
-          <p:cNvSpPr>
-            <a:spLocks noGrp="1" noRot="1" noChangeAspect="1" noMove="1" noResize="1" noEditPoints="1" noAdjustHandles="1" noChangeArrowheads="1" noChangeShapeType="1" noTextEdit="1"/>
-          </p:cNvSpPr>
-          <p:nvPr>
-            <p:extLst>
-              <p:ext uri="{386F3935-93C4-4BCD-93E2-E3B085C9AB24}">
-                <p16:designElem xmlns:p16="http://schemas.microsoft.com/office/powerpoint/2015/main" val="1"/>
-              </p:ext>
-            </p:extLst>
-          </p:nvPr>
-        </p:nvSpPr>
-        <p:spPr bwMode="auto">
-          <a:xfrm>
-            <a:off x="644055" y="635715"/>
-            <a:ext cx="10907863" cy="1541457"/>
-          </a:xfrm>
-          <a:prstGeom prst="rect">
-            <a:avLst/>
-          </a:prstGeom>
-          <a:solidFill>
-            <a:schemeClr val="accent1"/>
-          </a:solidFill>
-          <a:ln>
-            <a:noFill/>
-          </a:ln>
-        </p:spPr>
-        <p:txBody>
-          <a:bodyPr vert="horz" wrap="square" lIns="91440" tIns="45720" rIns="91440" bIns="45720" numCol="1" anchor="t" anchorCtr="0" compatLnSpc="1">
-            <a:prstTxWarp prst="textNoShape">
-              <a:avLst/>
-            </a:prstTxWarp>
-          </a:bodyPr>
-          <a:lstStyle/>
-          <a:p>
-            <a:endParaRPr lang="en-US"/>
-          </a:p>
-        </p:txBody>
-      </p:sp>
-      <p:sp>
-        <p:nvSpPr>
-          <p:cNvPr id="2" name="Title 1">
-            <a:extLst>
-              <a:ext uri="{FF2B5EF4-FFF2-40B4-BE49-F238E27FC236}">
-                <a16:creationId xmlns:a16="http://schemas.microsoft.com/office/drawing/2014/main" id="{3BCC6916-A9E8-4F86-B47C-9FF6091E4EF2}"/>
-              </a:ext>
-            </a:extLst>
-          </p:cNvPr>
-          <p:cNvSpPr>
-            <a:spLocks noGrp="1"/>
-          </p:cNvSpPr>
-          <p:nvPr>
-            <p:ph type="title"/>
-          </p:nvPr>
-        </p:nvSpPr>
-        <p:spPr>
-          <a:xfrm>
-            <a:off x="958506" y="800392"/>
-            <a:ext cx="10264697" cy="1212102"/>
-          </a:xfrm>
-        </p:spPr>
-        <p:txBody>
-          <a:bodyPr>
-            <a:normAutofit/>
-          </a:bodyPr>
-          <a:lstStyle/>
-          <a:p>
-            <a:r>
-              <a:rPr lang="en-US" sz="4000" dirty="0">
-                <a:solidFill>
-                  <a:srgbClr val="FFFFFF"/>
-                </a:solidFill>
-                <a:cs typeface="Calibri Light"/>
-              </a:rPr>
-              <a:t>SCHEMA</a:t>
-            </a:r>
-            <a:endParaRPr lang="en-US" sz="4000" dirty="0">
-              <a:solidFill>
-                <a:srgbClr val="FFFFFF"/>
-              </a:solidFill>
-            </a:endParaRPr>
-          </a:p>
-        </p:txBody>
-      </p:sp>
-      <p:sp>
-        <p:nvSpPr>
-          <p:cNvPr id="6" name="Content Placeholder 5">
-            <a:extLst>
-              <a:ext uri="{FF2B5EF4-FFF2-40B4-BE49-F238E27FC236}">
-                <a16:creationId xmlns:a16="http://schemas.microsoft.com/office/drawing/2014/main" id="{0F0B77C7-3BF9-4342-9C31-3030941324FD}"/>
-              </a:ext>
-            </a:extLst>
-          </p:cNvPr>
-          <p:cNvSpPr>
-            <a:spLocks noGrp="1"/>
-          </p:cNvSpPr>
-          <p:nvPr>
-            <p:ph idx="1"/>
-          </p:nvPr>
-        </p:nvSpPr>
-        <p:spPr/>
-        <p:txBody>
-          <a:bodyPr vert="horz" lIns="91440" tIns="45720" rIns="91440" bIns="45720" rtlCol="0" anchor="t">
-            <a:normAutofit/>
-          </a:bodyPr>
-          <a:lstStyle/>
-          <a:p>
-            <a:pPr marL="0" indent="0">
-              <a:buNone/>
-            </a:pPr>
-            <a:endParaRPr lang="en-US">
-              <a:cs typeface="Calibri" panose="020F0502020204030204"/>
-            </a:endParaRPr>
-          </a:p>
-        </p:txBody>
-      </p:sp>
-    </p:spTree>
-    <p:extLst>
-      <p:ext uri="{BB962C8B-B14F-4D97-AF65-F5344CB8AC3E}">
-        <p14:creationId xmlns:p14="http://schemas.microsoft.com/office/powerpoint/2010/main" val="1448904506"/>
-      </p:ext>
-    </p:extLst>
-  </p:cSld>
-  <p:clrMapOvr>
-    <a:masterClrMapping/>
-  </p:clrMapOvr>
-</p:sld>
-</file>
-
-<file path=ppt/slides/slide8.xml><?xml version="1.0" encoding="utf-8"?>
-<p:sld xmlns:a="http://schemas.openxmlformats.org/drawingml/2006/main" xmlns:r="http://schemas.openxmlformats.org/officeDocument/2006/relationships" xmlns:p="http://schemas.openxmlformats.org/presentationml/2006/main">
-  <p:cSld>
     <p:spTree>
       <p:nvGrpSpPr>
         <p:cNvPr id="1" name=""/>
@@ -19213,7 +18157,7 @@
 </p:sld>
 </file>
 
-<file path=ppt/slides/slide9.xml><?xml version="1.0" encoding="utf-8"?>
+<file path=ppt/slides/slide8.xml><?xml version="1.0" encoding="utf-8"?>
 <p:sld xmlns:a="http://schemas.openxmlformats.org/drawingml/2006/main" xmlns:r="http://schemas.openxmlformats.org/officeDocument/2006/relationships" xmlns:p="http://schemas.openxmlformats.org/presentationml/2006/main">
   <p:cSld>
     <p:spTree>
@@ -19560,6 +18504,503 @@
     <p:extLst>
       <p:ext uri="{BB962C8B-B14F-4D97-AF65-F5344CB8AC3E}">
         <p14:creationId xmlns:p14="http://schemas.microsoft.com/office/powerpoint/2010/main" val="2831364920"/>
+      </p:ext>
+    </p:extLst>
+  </p:cSld>
+  <p:clrMapOvr>
+    <a:masterClrMapping/>
+  </p:clrMapOvr>
+</p:sld>
+</file>
+
+<file path=ppt/slides/slide9.xml><?xml version="1.0" encoding="utf-8"?>
+<p:sld xmlns:a="http://schemas.openxmlformats.org/drawingml/2006/main" xmlns:r="http://schemas.openxmlformats.org/officeDocument/2006/relationships" xmlns:p="http://schemas.openxmlformats.org/presentationml/2006/main">
+  <p:cSld>
+    <p:spTree>
+      <p:nvGrpSpPr>
+        <p:cNvPr id="1" name=""/>
+        <p:cNvGrpSpPr/>
+        <p:nvPr/>
+      </p:nvGrpSpPr>
+      <p:grpSpPr>
+        <a:xfrm>
+          <a:off x="0" y="0"/>
+          <a:ext cx="0" cy="0"/>
+          <a:chOff x="0" y="0"/>
+          <a:chExt cx="0" cy="0"/>
+        </a:xfrm>
+      </p:grpSpPr>
+      <p:sp>
+        <p:nvSpPr>
+          <p:cNvPr id="3" name="Content Placeholder 2">
+            <a:extLst>
+              <a:ext uri="{FF2B5EF4-FFF2-40B4-BE49-F238E27FC236}">
+                <a16:creationId xmlns:a16="http://schemas.microsoft.com/office/drawing/2014/main" id="{306268B6-7808-4A42-BDA9-0A189EF4E405}"/>
+              </a:ext>
+            </a:extLst>
+          </p:cNvPr>
+          <p:cNvSpPr>
+            <a:spLocks noGrp="1"/>
+          </p:cNvSpPr>
+          <p:nvPr>
+            <p:ph idx="1"/>
+          </p:nvPr>
+        </p:nvSpPr>
+        <p:spPr>
+          <a:xfrm>
+            <a:off x="838200" y="331704"/>
+            <a:ext cx="10515600" cy="5845259"/>
+          </a:xfrm>
+        </p:spPr>
+        <p:txBody>
+          <a:bodyPr vert="horz" lIns="91440" tIns="45720" rIns="91440" bIns="45720" rtlCol="0" anchor="t">
+            <a:normAutofit fontScale="77500" lnSpcReduction="20000"/>
+          </a:bodyPr>
+          <a:lstStyle/>
+          <a:p>
+            <a:pPr marL="0" indent="0">
+              <a:buNone/>
+            </a:pPr>
+            <a:r>
+              <a:rPr lang="en-US" sz="3600" b="1" dirty="0">
+                <a:solidFill>
+                  <a:srgbClr val="002060"/>
+                </a:solidFill>
+                <a:latin typeface="Times New Roman"/>
+                <a:ea typeface="+mn-lt"/>
+                <a:cs typeface="+mn-lt"/>
+              </a:rPr>
+              <a:t>2.  CUSTOMER :</a:t>
+            </a:r>
+          </a:p>
+          <a:p>
+            <a:pPr marL="0" indent="0">
+              <a:buNone/>
+            </a:pPr>
+            <a:endParaRPr lang="en-US" sz="3000" b="1" dirty="0">
+              <a:solidFill>
+                <a:schemeClr val="accent6">
+                  <a:lumMod val="50000"/>
+                </a:schemeClr>
+              </a:solidFill>
+              <a:latin typeface="Times New Roman"/>
+              <a:ea typeface="+mn-lt"/>
+              <a:cs typeface="Calibri"/>
+            </a:endParaRPr>
+          </a:p>
+          <a:p>
+            <a:pPr>
+              <a:buFont typeface="Wingdings" panose="020B0604020202020204" pitchFamily="34" charset="0"/>
+              <a:buChar char="ü"/>
+            </a:pPr>
+            <a:r>
+              <a:rPr lang="en-US" sz="3000" b="1" i="1" dirty="0">
+                <a:latin typeface="Times New Roman"/>
+                <a:ea typeface="+mn-lt"/>
+                <a:cs typeface="Times New Roman"/>
+              </a:rPr>
+              <a:t> Attributes :-</a:t>
+            </a:r>
+            <a:endParaRPr lang="en-US" dirty="0">
+              <a:cs typeface="Calibri" panose="020F0502020204030204"/>
+            </a:endParaRPr>
+          </a:p>
+          <a:p>
+            <a:pPr marL="457200" indent="-457200">
+              <a:lnSpc>
+                <a:spcPct val="110000"/>
+              </a:lnSpc>
+            </a:pPr>
+            <a:r>
+              <a:rPr lang="en-US" sz="2600" dirty="0" err="1">
+                <a:latin typeface="Times New Roman"/>
+                <a:ea typeface="+mn-lt"/>
+                <a:cs typeface="+mn-lt"/>
+              </a:rPr>
+              <a:t>Customer_id</a:t>
+            </a:r>
+            <a:r>
+              <a:rPr lang="en-US" sz="2600" dirty="0">
+                <a:latin typeface="Times New Roman"/>
+                <a:ea typeface="+mn-lt"/>
+                <a:cs typeface="+mn-lt"/>
+              </a:rPr>
+              <a:t> – customer’s verification id with four characters (Ex : AD90).</a:t>
+            </a:r>
+          </a:p>
+          <a:p>
+            <a:pPr marL="457200" indent="-457200">
+              <a:lnSpc>
+                <a:spcPct val="110000"/>
+              </a:lnSpc>
+            </a:pPr>
+            <a:r>
+              <a:rPr lang="en-US" sz="2600" dirty="0" err="1">
+                <a:latin typeface="Times New Roman"/>
+                <a:ea typeface="+mn-lt"/>
+                <a:cs typeface="+mn-lt"/>
+              </a:rPr>
+              <a:t>AccountID</a:t>
+            </a:r>
+            <a:r>
+              <a:rPr lang="en-US" sz="2600" dirty="0">
+                <a:latin typeface="Times New Roman"/>
+                <a:ea typeface="+mn-lt"/>
+                <a:cs typeface="+mn-lt"/>
+              </a:rPr>
+              <a:t>– gets the account number which is a 12 digit code.(Ex : 5687 7890 4567).</a:t>
+            </a:r>
+          </a:p>
+          <a:p>
+            <a:pPr marL="457200" indent="-457200">
+              <a:lnSpc>
+                <a:spcPct val="110000"/>
+              </a:lnSpc>
+            </a:pPr>
+            <a:r>
+              <a:rPr lang="en-US" sz="2600" dirty="0" err="1">
+                <a:latin typeface="Times New Roman"/>
+                <a:ea typeface="+mn-lt"/>
+                <a:cs typeface="+mn-lt"/>
+              </a:rPr>
+              <a:t>Customer_firstName</a:t>
+            </a:r>
+            <a:r>
+              <a:rPr lang="en-US" sz="2600" dirty="0">
+                <a:latin typeface="Times New Roman"/>
+                <a:ea typeface="+mn-lt"/>
+                <a:cs typeface="+mn-lt"/>
+              </a:rPr>
+              <a:t>, </a:t>
+            </a:r>
+            <a:r>
+              <a:rPr lang="en-US" sz="2600" dirty="0" err="1">
+                <a:latin typeface="Times New Roman"/>
+                <a:ea typeface="+mn-lt"/>
+                <a:cs typeface="+mn-lt"/>
+              </a:rPr>
+              <a:t>Customer_LastName</a:t>
+            </a:r>
+            <a:r>
+              <a:rPr lang="en-US" sz="2600" dirty="0">
+                <a:latin typeface="Times New Roman"/>
+                <a:ea typeface="+mn-lt"/>
+                <a:cs typeface="+mn-lt"/>
+              </a:rPr>
+              <a:t> – stores the customer’s name.</a:t>
+            </a:r>
+            <a:endParaRPr lang="en-US" sz="2600">
+              <a:latin typeface="Times New Roman"/>
+              <a:ea typeface="+mn-lt"/>
+              <a:cs typeface="+mn-lt"/>
+            </a:endParaRPr>
+          </a:p>
+          <a:p>
+            <a:pPr marL="457200" indent="-457200">
+              <a:lnSpc>
+                <a:spcPct val="110000"/>
+              </a:lnSpc>
+            </a:pPr>
+            <a:r>
+              <a:rPr lang="en-US" sz="2600" dirty="0" err="1">
+                <a:latin typeface="Times New Roman"/>
+                <a:ea typeface="+mn-lt"/>
+                <a:cs typeface="+mn-lt"/>
+              </a:rPr>
+              <a:t>Custome_Gender</a:t>
+            </a:r>
+            <a:r>
+              <a:rPr lang="en-US" sz="2600" dirty="0">
+                <a:latin typeface="Times New Roman"/>
+                <a:ea typeface="+mn-lt"/>
+                <a:cs typeface="+mn-lt"/>
+              </a:rPr>
+              <a:t> – gets gender of the customer (Male/Female).</a:t>
+            </a:r>
+          </a:p>
+          <a:p>
+            <a:pPr marL="457200" indent="-457200">
+              <a:lnSpc>
+                <a:spcPct val="110000"/>
+              </a:lnSpc>
+            </a:pPr>
+            <a:r>
+              <a:rPr lang="en-US" sz="2600" dirty="0">
+                <a:latin typeface="Times New Roman"/>
+                <a:ea typeface="+mn-lt"/>
+                <a:cs typeface="+mn-lt"/>
+              </a:rPr>
+              <a:t>DOB – date of birth data of the customer.</a:t>
+            </a:r>
+          </a:p>
+          <a:p>
+            <a:pPr marL="457200" indent="-457200">
+              <a:lnSpc>
+                <a:spcPct val="110000"/>
+              </a:lnSpc>
+            </a:pPr>
+            <a:r>
+              <a:rPr lang="en-US" sz="2600" dirty="0" err="1">
+                <a:latin typeface="Times New Roman"/>
+                <a:ea typeface="+mn-lt"/>
+                <a:cs typeface="+mn-lt"/>
+              </a:rPr>
+              <a:t>Customer_address</a:t>
+            </a:r>
+            <a:r>
+              <a:rPr lang="en-US" sz="2600" dirty="0">
+                <a:latin typeface="Times New Roman"/>
+                <a:ea typeface="+mn-lt"/>
+                <a:cs typeface="+mn-lt"/>
+              </a:rPr>
+              <a:t> ,</a:t>
+            </a:r>
+            <a:r>
+              <a:rPr lang="en-US" sz="2600" dirty="0" err="1">
+                <a:latin typeface="Times New Roman"/>
+                <a:ea typeface="+mn-lt"/>
+                <a:cs typeface="+mn-lt"/>
+              </a:rPr>
+              <a:t>State,City</a:t>
+            </a:r>
+            <a:r>
+              <a:rPr lang="en-US" sz="2600" dirty="0">
+                <a:latin typeface="Times New Roman"/>
+                <a:ea typeface="+mn-lt"/>
+                <a:cs typeface="+mn-lt"/>
+              </a:rPr>
+              <a:t>, </a:t>
+            </a:r>
+            <a:r>
+              <a:rPr lang="en-US" sz="2600" dirty="0" err="1">
+                <a:latin typeface="Times New Roman"/>
+                <a:ea typeface="+mn-lt"/>
+                <a:cs typeface="+mn-lt"/>
+              </a:rPr>
+              <a:t>zipcode</a:t>
+            </a:r>
+            <a:r>
+              <a:rPr lang="en-US" sz="2600" dirty="0">
+                <a:latin typeface="Times New Roman"/>
+                <a:ea typeface="+mn-lt"/>
+                <a:cs typeface="+mn-lt"/>
+              </a:rPr>
+              <a:t>– customer’s address as mentioned in the passbook.</a:t>
+            </a:r>
+          </a:p>
+          <a:p>
+            <a:pPr marL="457200" indent="-457200">
+              <a:lnSpc>
+                <a:spcPct val="110000"/>
+              </a:lnSpc>
+            </a:pPr>
+            <a:r>
+              <a:rPr lang="en-US" sz="2600" dirty="0" err="1">
+                <a:latin typeface="Times New Roman"/>
+                <a:ea typeface="+mn-lt"/>
+                <a:cs typeface="+mn-lt"/>
+              </a:rPr>
+              <a:t>Email_id</a:t>
+            </a:r>
+            <a:r>
+              <a:rPr lang="en-US" sz="2600" dirty="0">
+                <a:latin typeface="Times New Roman"/>
+                <a:ea typeface="+mn-lt"/>
+                <a:cs typeface="+mn-lt"/>
+              </a:rPr>
+              <a:t>– email address of the customer .</a:t>
+            </a:r>
+          </a:p>
+          <a:p>
+            <a:pPr marL="457200" indent="-457200">
+              <a:lnSpc>
+                <a:spcPct val="110000"/>
+              </a:lnSpc>
+            </a:pPr>
+            <a:r>
+              <a:rPr lang="en-US" sz="2600" dirty="0">
+                <a:latin typeface="Times New Roman"/>
+                <a:ea typeface="+mn-lt"/>
+                <a:cs typeface="+mn-lt"/>
+              </a:rPr>
+              <a:t>Mobile_no1, Mobile-no2– Current using mobile number of the customer.</a:t>
+            </a:r>
+          </a:p>
+          <a:p>
+            <a:pPr marL="457200" indent="-457200">
+              <a:lnSpc>
+                <a:spcPct val="110000"/>
+              </a:lnSpc>
+            </a:pPr>
+            <a:r>
+              <a:rPr lang="en-US" sz="2600" dirty="0" err="1">
+                <a:latin typeface="Times New Roman"/>
+                <a:ea typeface="+mn-lt"/>
+                <a:cs typeface="+mn-lt"/>
+              </a:rPr>
+              <a:t>UserLoginID</a:t>
+            </a:r>
+            <a:r>
+              <a:rPr lang="en-US" sz="2600" dirty="0">
+                <a:latin typeface="Times New Roman"/>
+                <a:ea typeface="+mn-lt"/>
+                <a:cs typeface="+mn-lt"/>
+              </a:rPr>
+              <a:t>- given to the customer once he registers into online.</a:t>
+            </a:r>
+          </a:p>
+          <a:p>
+            <a:pPr>
+              <a:buFont typeface="Wingdings" panose="020B0604020202020204" pitchFamily="34" charset="0"/>
+              <a:buChar char="ü"/>
+            </a:pPr>
+            <a:r>
+              <a:rPr lang="en-US" sz="2600" b="1" i="1" dirty="0">
+                <a:latin typeface="Times New Roman"/>
+                <a:ea typeface="+mn-lt"/>
+                <a:cs typeface="+mn-lt"/>
+              </a:rPr>
+              <a:t>Primary Key –</a:t>
+            </a:r>
+            <a:r>
+              <a:rPr lang="en-US" dirty="0">
+                <a:ea typeface="+mn-lt"/>
+                <a:cs typeface="+mn-lt"/>
+              </a:rPr>
+              <a:t>  </a:t>
+            </a:r>
+            <a:r>
+              <a:rPr lang="en-US" sz="2600" dirty="0" err="1">
+                <a:latin typeface="Times New Roman"/>
+                <a:ea typeface="+mn-lt"/>
+                <a:cs typeface="+mn-lt"/>
+              </a:rPr>
+              <a:t>AccountID</a:t>
+            </a:r>
+            <a:r>
+              <a:rPr lang="en-US" sz="2600" dirty="0">
+                <a:latin typeface="Times New Roman"/>
+                <a:ea typeface="+mn-lt"/>
+                <a:cs typeface="+mn-lt"/>
+              </a:rPr>
+              <a:t>, </a:t>
+            </a:r>
+            <a:r>
+              <a:rPr lang="en-US" sz="2600" dirty="0" err="1">
+                <a:latin typeface="Times New Roman"/>
+                <a:ea typeface="+mn-lt"/>
+                <a:cs typeface="+mn-lt"/>
+              </a:rPr>
+              <a:t>Customer_id</a:t>
+            </a:r>
+            <a:r>
+              <a:rPr lang="en-US" sz="2600" dirty="0">
+                <a:latin typeface="Times New Roman"/>
+                <a:ea typeface="+mn-lt"/>
+                <a:cs typeface="+mn-lt"/>
+              </a:rPr>
+              <a:t>, </a:t>
+            </a:r>
+            <a:r>
+              <a:rPr lang="en-US" sz="2600" dirty="0" err="1">
+                <a:latin typeface="Times New Roman"/>
+                <a:ea typeface="+mn-lt"/>
+                <a:cs typeface="+mn-lt"/>
+              </a:rPr>
+              <a:t>UserLoginID</a:t>
+            </a:r>
+            <a:endParaRPr lang="en-US" dirty="0" err="1">
+              <a:cs typeface="Calibri" panose="020F0502020204030204"/>
+            </a:endParaRPr>
+          </a:p>
+          <a:p>
+            <a:pPr>
+              <a:buFont typeface="Wingdings" panose="020B0604020202020204" pitchFamily="34" charset="0"/>
+              <a:buChar char="ü"/>
+            </a:pPr>
+            <a:r>
+              <a:rPr lang="en-US" sz="2600" b="1" i="1" dirty="0">
+                <a:latin typeface="Times New Roman"/>
+                <a:ea typeface="+mn-lt"/>
+                <a:cs typeface="+mn-lt"/>
+              </a:rPr>
+              <a:t>Foreign Key – </a:t>
+            </a:r>
+            <a:r>
+              <a:rPr lang="en-US" sz="2600" dirty="0" err="1">
+                <a:latin typeface="Times New Roman"/>
+                <a:ea typeface="+mn-lt"/>
+                <a:cs typeface="+mn-lt"/>
+              </a:rPr>
+              <a:t>AccountID</a:t>
+            </a:r>
+            <a:endParaRPr lang="en-US" sz="2600" dirty="0">
+              <a:latin typeface="Times New Roman"/>
+              <a:ea typeface="+mn-lt"/>
+              <a:cs typeface="+mn-lt"/>
+            </a:endParaRPr>
+          </a:p>
+          <a:p>
+            <a:pPr>
+              <a:buFont typeface="Wingdings" panose="020B0604020202020204" pitchFamily="34" charset="0"/>
+              <a:buChar char="Ø"/>
+            </a:pPr>
+            <a:r>
+              <a:rPr lang="en-US" sz="2600" dirty="0">
+                <a:latin typeface="Times New Roman"/>
+                <a:ea typeface="+mn-lt"/>
+                <a:cs typeface="+mn-lt"/>
+              </a:rPr>
+              <a:t>This entity set CUSTOMER stores the information of the customer.</a:t>
+            </a:r>
+          </a:p>
+          <a:p>
+            <a:pPr>
+              <a:buFont typeface="Courier New" panose="020B0604020202020204" pitchFamily="34" charset="0"/>
+              <a:buChar char="o"/>
+            </a:pPr>
+            <a:endParaRPr lang="en-US" dirty="0">
+              <a:cs typeface="Calibri" panose="020F0502020204030204"/>
+            </a:endParaRPr>
+          </a:p>
+          <a:p>
+            <a:pPr marL="0" indent="0">
+              <a:buNone/>
+            </a:pPr>
+            <a:endParaRPr lang="en-US" dirty="0">
+              <a:cs typeface="Calibri" panose="020F0502020204030204"/>
+            </a:endParaRPr>
+          </a:p>
+          <a:p>
+            <a:pPr marL="0" indent="0">
+              <a:buNone/>
+            </a:pPr>
+            <a:endParaRPr lang="en-US" dirty="0">
+              <a:cs typeface="Calibri" panose="020F0502020204030204"/>
+            </a:endParaRPr>
+          </a:p>
+          <a:p>
+            <a:pPr marL="0" indent="0">
+              <a:buNone/>
+            </a:pPr>
+            <a:endParaRPr lang="en-US" b="1" dirty="0">
+              <a:cs typeface="Calibri"/>
+            </a:endParaRPr>
+          </a:p>
+          <a:p>
+            <a:pPr marL="0" indent="0">
+              <a:buNone/>
+            </a:pPr>
+            <a:endParaRPr lang="en-US" dirty="0">
+              <a:cs typeface="Calibri"/>
+            </a:endParaRPr>
+          </a:p>
+        </p:txBody>
+      </p:sp>
+    </p:spTree>
+    <p:extLst>
+      <p:ext uri="{BB962C8B-B14F-4D97-AF65-F5344CB8AC3E}">
+        <p14:creationId xmlns:p14="http://schemas.microsoft.com/office/powerpoint/2010/main" val="3959623972"/>
       </p:ext>
     </p:extLst>
   </p:cSld>
